--- a/F1_driver_standings_predictor.pptx
+++ b/F1_driver_standings_predictor.pptx
@@ -8,9 +8,12 @@
     <p:sldId id="256" r:id="rId2"/>
     <p:sldId id="257" r:id="rId3"/>
     <p:sldId id="260" r:id="rId4"/>
-    <p:sldId id="261" r:id="rId5"/>
-    <p:sldId id="259" r:id="rId6"/>
-    <p:sldId id="258" r:id="rId7"/>
+    <p:sldId id="262" r:id="rId5"/>
+    <p:sldId id="263" r:id="rId6"/>
+    <p:sldId id="264" r:id="rId7"/>
+    <p:sldId id="261" r:id="rId8"/>
+    <p:sldId id="259" r:id="rId9"/>
+    <p:sldId id="258" r:id="rId10"/>
   </p:sldIdLst>
   <p:sldSz cx="12192000" cy="6858000"/>
   <p:notesSz cx="6858000" cy="9144000"/>
@@ -120,6 +123,7 @@
 <file path=ppt/revisionInfo.xml><?xml version="1.0" encoding="utf-8"?>
 <p1510:revInfo xmlns:a="http://schemas.openxmlformats.org/drawingml/2006/main" xmlns:r="http://schemas.openxmlformats.org/officeDocument/2006/relationships" xmlns:p1510="http://schemas.microsoft.com/office/powerpoint/2015/10/main">
   <p1510:revLst>
+    <p1510:client id="{3CB0FE1A-4436-B3A2-EB38-110951C75BC1}" v="374" dt="2023-06-07T10:58:32.155"/>
     <p1510:client id="{9355CE9E-194A-DD48-0E0E-66152D2571B3}" v="200" dt="2023-05-31T11:07:47.638"/>
     <p1510:client id="{D87D98F3-8081-4ED7-886D-A52D1C1E23A0}" v="323" dt="2023-05-31T10:54:11.039"/>
   </p1510:revLst>
@@ -809,6 +813,369 @@
           <pc:docMk/>
           <pc:sldMk cId="2297700638" sldId="261"/>
         </pc:sldMkLst>
+      </pc:sldChg>
+    </pc:docChg>
+  </pc:docChgLst>
+  <pc:docChgLst>
+    <pc:chgData name="Sipos Dávid" userId="S::david.sipos@stud.uni-obuda.hu::33a32994-da80-4891-9b23-6e12fa1b238b" providerId="AD" clId="Web-{3CB0FE1A-4436-B3A2-EB38-110951C75BC1}"/>
+    <pc:docChg chg="addSld modSld">
+      <pc:chgData name="Sipos Dávid" userId="S::david.sipos@stud.uni-obuda.hu::33a32994-da80-4891-9b23-6e12fa1b238b" providerId="AD" clId="Web-{3CB0FE1A-4436-B3A2-EB38-110951C75BC1}" dt="2023-06-07T10:58:32.155" v="303" actId="20577"/>
+      <pc:docMkLst>
+        <pc:docMk/>
+      </pc:docMkLst>
+      <pc:sldChg chg="modSp">
+        <pc:chgData name="Sipos Dávid" userId="S::david.sipos@stud.uni-obuda.hu::33a32994-da80-4891-9b23-6e12fa1b238b" providerId="AD" clId="Web-{3CB0FE1A-4436-B3A2-EB38-110951C75BC1}" dt="2023-06-07T10:58:32.155" v="303" actId="20577"/>
+        <pc:sldMkLst>
+          <pc:docMk/>
+          <pc:sldMk cId="1142333056" sldId="258"/>
+        </pc:sldMkLst>
+        <pc:spChg chg="mod">
+          <ac:chgData name="Sipos Dávid" userId="S::david.sipos@stud.uni-obuda.hu::33a32994-da80-4891-9b23-6e12fa1b238b" providerId="AD" clId="Web-{3CB0FE1A-4436-B3A2-EB38-110951C75BC1}" dt="2023-06-07T10:58:32.155" v="303" actId="20577"/>
+          <ac:spMkLst>
+            <pc:docMk/>
+            <pc:sldMk cId="1142333056" sldId="258"/>
+            <ac:spMk id="3" creationId="{5FB1AA46-A941-2C94-3795-27663D6FC82D}"/>
+          </ac:spMkLst>
+        </pc:spChg>
+      </pc:sldChg>
+      <pc:sldChg chg="addSp delSp modSp">
+        <pc:chgData name="Sipos Dávid" userId="S::david.sipos@stud.uni-obuda.hu::33a32994-da80-4891-9b23-6e12fa1b238b" providerId="AD" clId="Web-{3CB0FE1A-4436-B3A2-EB38-110951C75BC1}" dt="2023-06-07T10:57:33.715" v="276"/>
+        <pc:sldMkLst>
+          <pc:docMk/>
+          <pc:sldMk cId="822949988" sldId="259"/>
+        </pc:sldMkLst>
+        <pc:spChg chg="add del mod">
+          <ac:chgData name="Sipos Dávid" userId="S::david.sipos@stud.uni-obuda.hu::33a32994-da80-4891-9b23-6e12fa1b238b" providerId="AD" clId="Web-{3CB0FE1A-4436-B3A2-EB38-110951C75BC1}" dt="2023-06-07T10:57:33.715" v="276"/>
+          <ac:spMkLst>
+            <pc:docMk/>
+            <pc:sldMk cId="822949988" sldId="259"/>
+            <ac:spMk id="3" creationId="{9C6F8BD2-892A-6368-C3A5-436E2E23BBFB}"/>
+          </ac:spMkLst>
+        </pc:spChg>
+        <pc:spChg chg="mod">
+          <ac:chgData name="Sipos Dávid" userId="S::david.sipos@stud.uni-obuda.hu::33a32994-da80-4891-9b23-6e12fa1b238b" providerId="AD" clId="Web-{3CB0FE1A-4436-B3A2-EB38-110951C75BC1}" dt="2023-06-07T10:56:27.651" v="271" actId="20577"/>
+          <ac:spMkLst>
+            <pc:docMk/>
+            <pc:sldMk cId="822949988" sldId="259"/>
+            <ac:spMk id="5" creationId="{8704BBBF-C1EF-6B5B-94D0-CED740A4100C}"/>
+          </ac:spMkLst>
+        </pc:spChg>
+        <pc:spChg chg="mod">
+          <ac:chgData name="Sipos Dávid" userId="S::david.sipos@stud.uni-obuda.hu::33a32994-da80-4891-9b23-6e12fa1b238b" providerId="AD" clId="Web-{3CB0FE1A-4436-B3A2-EB38-110951C75BC1}" dt="2023-06-07T10:57:06.589" v="273"/>
+          <ac:spMkLst>
+            <pc:docMk/>
+            <pc:sldMk cId="822949988" sldId="259"/>
+            <ac:spMk id="6" creationId="{8E2CC2AC-F306-8B3C-AC41-786659836675}"/>
+          </ac:spMkLst>
+        </pc:spChg>
+      </pc:sldChg>
+      <pc:sldChg chg="addSp delSp modSp delAnim">
+        <pc:chgData name="Sipos Dávid" userId="S::david.sipos@stud.uni-obuda.hu::33a32994-da80-4891-9b23-6e12fa1b238b" providerId="AD" clId="Web-{3CB0FE1A-4436-B3A2-EB38-110951C75BC1}" dt="2023-06-07T10:48:09.041" v="189" actId="1076"/>
+        <pc:sldMkLst>
+          <pc:docMk/>
+          <pc:sldMk cId="2297700638" sldId="261"/>
+        </pc:sldMkLst>
+        <pc:spChg chg="mod">
+          <ac:chgData name="Sipos Dávid" userId="S::david.sipos@stud.uni-obuda.hu::33a32994-da80-4891-9b23-6e12fa1b238b" providerId="AD" clId="Web-{3CB0FE1A-4436-B3A2-EB38-110951C75BC1}" dt="2023-06-07T10:41:30.153" v="63" actId="14100"/>
+          <ac:spMkLst>
+            <pc:docMk/>
+            <pc:sldMk cId="2297700638" sldId="261"/>
+            <ac:spMk id="8" creationId="{58BB71B3-280F-F9B8-64CC-AFF83A9FC7FA}"/>
+          </ac:spMkLst>
+        </pc:spChg>
+        <pc:spChg chg="mod">
+          <ac:chgData name="Sipos Dávid" userId="S::david.sipos@stud.uni-obuda.hu::33a32994-da80-4891-9b23-6e12fa1b238b" providerId="AD" clId="Web-{3CB0FE1A-4436-B3A2-EB38-110951C75BC1}" dt="2023-06-07T10:41:45.044" v="70" actId="20577"/>
+          <ac:spMkLst>
+            <pc:docMk/>
+            <pc:sldMk cId="2297700638" sldId="261"/>
+            <ac:spMk id="9" creationId="{0DE99A14-8352-D2EC-39AA-731F4CD031ED}"/>
+          </ac:spMkLst>
+        </pc:spChg>
+        <pc:spChg chg="mod">
+          <ac:chgData name="Sipos Dávid" userId="S::david.sipos@stud.uni-obuda.hu::33a32994-da80-4891-9b23-6e12fa1b238b" providerId="AD" clId="Web-{3CB0FE1A-4436-B3A2-EB38-110951C75BC1}" dt="2023-06-07T10:42:00.357" v="78" actId="14100"/>
+          <ac:spMkLst>
+            <pc:docMk/>
+            <pc:sldMk cId="2297700638" sldId="261"/>
+            <ac:spMk id="10" creationId="{43724DA8-F2D7-FFA2-45A1-AB152FB26993}"/>
+          </ac:spMkLst>
+        </pc:spChg>
+        <pc:spChg chg="mod">
+          <ac:chgData name="Sipos Dávid" userId="S::david.sipos@stud.uni-obuda.hu::33a32994-da80-4891-9b23-6e12fa1b238b" providerId="AD" clId="Web-{3CB0FE1A-4436-B3A2-EB38-110951C75BC1}" dt="2023-06-07T10:42:14.154" v="86" actId="14100"/>
+          <ac:spMkLst>
+            <pc:docMk/>
+            <pc:sldMk cId="2297700638" sldId="261"/>
+            <ac:spMk id="11" creationId="{E3125FC0-B264-E3A9-EBAF-B8A692C4479C}"/>
+          </ac:spMkLst>
+        </pc:spChg>
+        <pc:spChg chg="add mod">
+          <ac:chgData name="Sipos Dávid" userId="S::david.sipos@stud.uni-obuda.hu::33a32994-da80-4891-9b23-6e12fa1b238b" providerId="AD" clId="Web-{3CB0FE1A-4436-B3A2-EB38-110951C75BC1}" dt="2023-06-07T10:42:37.530" v="94" actId="1076"/>
+          <ac:spMkLst>
+            <pc:docMk/>
+            <pc:sldMk cId="2297700638" sldId="261"/>
+            <ac:spMk id="12" creationId="{B1B36A2B-10FF-4A35-5EC5-EA1EDBBFE2D2}"/>
+          </ac:spMkLst>
+        </pc:spChg>
+        <pc:spChg chg="add mod">
+          <ac:chgData name="Sipos Dávid" userId="S::david.sipos@stud.uni-obuda.hu::33a32994-da80-4891-9b23-6e12fa1b238b" providerId="AD" clId="Web-{3CB0FE1A-4436-B3A2-EB38-110951C75BC1}" dt="2023-06-07T10:42:54.281" v="101" actId="14100"/>
+          <ac:spMkLst>
+            <pc:docMk/>
+            <pc:sldMk cId="2297700638" sldId="261"/>
+            <ac:spMk id="13" creationId="{9D5D466A-D908-848E-80F6-1061512E2952}"/>
+          </ac:spMkLst>
+        </pc:spChg>
+        <pc:picChg chg="del">
+          <ac:chgData name="Sipos Dávid" userId="S::david.sipos@stud.uni-obuda.hu::33a32994-da80-4891-9b23-6e12fa1b238b" providerId="AD" clId="Web-{3CB0FE1A-4436-B3A2-EB38-110951C75BC1}" dt="2023-06-07T10:40:58.105" v="54"/>
+          <ac:picMkLst>
+            <pc:docMk/>
+            <pc:sldMk cId="2297700638" sldId="261"/>
+            <ac:picMk id="4" creationId="{9A674B01-7080-B8BB-1635-2073CB3723E1}"/>
+          </ac:picMkLst>
+        </pc:picChg>
+        <pc:picChg chg="del">
+          <ac:chgData name="Sipos Dávid" userId="S::david.sipos@stud.uni-obuda.hu::33a32994-da80-4891-9b23-6e12fa1b238b" providerId="AD" clId="Web-{3CB0FE1A-4436-B3A2-EB38-110951C75BC1}" dt="2023-06-07T10:40:57.777" v="53"/>
+          <ac:picMkLst>
+            <pc:docMk/>
+            <pc:sldMk cId="2297700638" sldId="261"/>
+            <ac:picMk id="5" creationId="{EE9EA0A7-F257-6DFF-D0F5-AC78CEAA2550}"/>
+          </ac:picMkLst>
+        </pc:picChg>
+        <pc:picChg chg="del">
+          <ac:chgData name="Sipos Dávid" userId="S::david.sipos@stud.uni-obuda.hu::33a32994-da80-4891-9b23-6e12fa1b238b" providerId="AD" clId="Web-{3CB0FE1A-4436-B3A2-EB38-110951C75BC1}" dt="2023-06-07T10:40:57.339" v="52"/>
+          <ac:picMkLst>
+            <pc:docMk/>
+            <pc:sldMk cId="2297700638" sldId="261"/>
+            <ac:picMk id="6" creationId="{CB77E4E4-AE67-1B03-5F1A-BE1F935A90C7}"/>
+          </ac:picMkLst>
+        </pc:picChg>
+        <pc:picChg chg="del">
+          <ac:chgData name="Sipos Dávid" userId="S::david.sipos@stud.uni-obuda.hu::33a32994-da80-4891-9b23-6e12fa1b238b" providerId="AD" clId="Web-{3CB0FE1A-4436-B3A2-EB38-110951C75BC1}" dt="2023-06-07T10:40:56.871" v="51"/>
+          <ac:picMkLst>
+            <pc:docMk/>
+            <pc:sldMk cId="2297700638" sldId="261"/>
+            <ac:picMk id="7" creationId="{BEF9AE42-EC5F-65C8-4661-185DB0FAE5DD}"/>
+          </ac:picMkLst>
+        </pc:picChg>
+        <pc:picChg chg="add mod">
+          <ac:chgData name="Sipos Dávid" userId="S::david.sipos@stud.uni-obuda.hu::33a32994-da80-4891-9b23-6e12fa1b238b" providerId="AD" clId="Web-{3CB0FE1A-4436-B3A2-EB38-110951C75BC1}" dt="2023-06-07T10:48:05.556" v="188" actId="14100"/>
+          <ac:picMkLst>
+            <pc:docMk/>
+            <pc:sldMk cId="2297700638" sldId="261"/>
+            <ac:picMk id="14" creationId="{7F50EC61-4B28-A80C-3EB9-991A59A5060B}"/>
+          </ac:picMkLst>
+        </pc:picChg>
+        <pc:picChg chg="add mod">
+          <ac:chgData name="Sipos Dávid" userId="S::david.sipos@stud.uni-obuda.hu::33a32994-da80-4891-9b23-6e12fa1b238b" providerId="AD" clId="Web-{3CB0FE1A-4436-B3A2-EB38-110951C75BC1}" dt="2023-06-07T10:47:58.244" v="185" actId="1076"/>
+          <ac:picMkLst>
+            <pc:docMk/>
+            <pc:sldMk cId="2297700638" sldId="261"/>
+            <ac:picMk id="15" creationId="{F3FE6193-51A9-BB09-B962-9CD83C671DF6}"/>
+          </ac:picMkLst>
+        </pc:picChg>
+        <pc:picChg chg="add mod">
+          <ac:chgData name="Sipos Dávid" userId="S::david.sipos@stud.uni-obuda.hu::33a32994-da80-4891-9b23-6e12fa1b238b" providerId="AD" clId="Web-{3CB0FE1A-4436-B3A2-EB38-110951C75BC1}" dt="2023-06-07T10:48:09.041" v="189" actId="1076"/>
+          <ac:picMkLst>
+            <pc:docMk/>
+            <pc:sldMk cId="2297700638" sldId="261"/>
+            <ac:picMk id="16" creationId="{80D0735C-90EA-1B0A-2E43-5FB83FED63B4}"/>
+          </ac:picMkLst>
+        </pc:picChg>
+        <pc:picChg chg="add mod">
+          <ac:chgData name="Sipos Dávid" userId="S::david.sipos@stud.uni-obuda.hu::33a32994-da80-4891-9b23-6e12fa1b238b" providerId="AD" clId="Web-{3CB0FE1A-4436-B3A2-EB38-110951C75BC1}" dt="2023-06-07T10:47:46.806" v="181" actId="1076"/>
+          <ac:picMkLst>
+            <pc:docMk/>
+            <pc:sldMk cId="2297700638" sldId="261"/>
+            <ac:picMk id="17" creationId="{BBC2F6F6-3AB7-5727-B225-4E9D481DD8E4}"/>
+          </ac:picMkLst>
+        </pc:picChg>
+        <pc:picChg chg="add mod">
+          <ac:chgData name="Sipos Dávid" userId="S::david.sipos@stud.uni-obuda.hu::33a32994-da80-4891-9b23-6e12fa1b238b" providerId="AD" clId="Web-{3CB0FE1A-4436-B3A2-EB38-110951C75BC1}" dt="2023-06-07T10:47:38.462" v="177" actId="14100"/>
+          <ac:picMkLst>
+            <pc:docMk/>
+            <pc:sldMk cId="2297700638" sldId="261"/>
+            <ac:picMk id="18" creationId="{2F7CF550-7F8B-C8A9-5CD1-D79DB21B1470}"/>
+          </ac:picMkLst>
+        </pc:picChg>
+        <pc:picChg chg="add mod">
+          <ac:chgData name="Sipos Dávid" userId="S::david.sipos@stud.uni-obuda.hu::33a32994-da80-4891-9b23-6e12fa1b238b" providerId="AD" clId="Web-{3CB0FE1A-4436-B3A2-EB38-110951C75BC1}" dt="2023-06-07T10:47:34.774" v="176" actId="14100"/>
+          <ac:picMkLst>
+            <pc:docMk/>
+            <pc:sldMk cId="2297700638" sldId="261"/>
+            <ac:picMk id="19" creationId="{F5034CC5-037B-22DE-1FB7-185EA9F018C9}"/>
+          </ac:picMkLst>
+        </pc:picChg>
+      </pc:sldChg>
+      <pc:sldChg chg="addSp modSp new addAnim modAnim">
+        <pc:chgData name="Sipos Dávid" userId="S::david.sipos@stud.uni-obuda.hu::33a32994-da80-4891-9b23-6e12fa1b238b" providerId="AD" clId="Web-{3CB0FE1A-4436-B3A2-EB38-110951C75BC1}" dt="2023-06-07T10:52:30.799" v="242" actId="1076"/>
+        <pc:sldMkLst>
+          <pc:docMk/>
+          <pc:sldMk cId="3631249775" sldId="262"/>
+        </pc:sldMkLst>
+        <pc:spChg chg="mod">
+          <ac:chgData name="Sipos Dávid" userId="S::david.sipos@stud.uni-obuda.hu::33a32994-da80-4891-9b23-6e12fa1b238b" providerId="AD" clId="Web-{3CB0FE1A-4436-B3A2-EB38-110951C75BC1}" dt="2023-06-07T10:49:59.185" v="205" actId="1076"/>
+          <ac:spMkLst>
+            <pc:docMk/>
+            <pc:sldMk cId="3631249775" sldId="262"/>
+            <ac:spMk id="2" creationId="{761479EC-4DFC-7089-A1C3-4F38918E215D}"/>
+          </ac:spMkLst>
+        </pc:spChg>
+        <pc:spChg chg="mod">
+          <ac:chgData name="Sipos Dávid" userId="S::david.sipos@stud.uni-obuda.hu::33a32994-da80-4891-9b23-6e12fa1b238b" providerId="AD" clId="Web-{3CB0FE1A-4436-B3A2-EB38-110951C75BC1}" dt="2023-06-07T10:50:43.014" v="230" actId="20577"/>
+          <ac:spMkLst>
+            <pc:docMk/>
+            <pc:sldMk cId="3631249775" sldId="262"/>
+            <ac:spMk id="3" creationId="{033D5C53-DD97-A2E4-935F-0E9B3E79E5E4}"/>
+          </ac:spMkLst>
+        </pc:spChg>
+        <pc:picChg chg="add mod">
+          <ac:chgData name="Sipos Dávid" userId="S::david.sipos@stud.uni-obuda.hu::33a32994-da80-4891-9b23-6e12fa1b238b" providerId="AD" clId="Web-{3CB0FE1A-4436-B3A2-EB38-110951C75BC1}" dt="2023-06-07T10:50:34.280" v="224" actId="1076"/>
+          <ac:picMkLst>
+            <pc:docMk/>
+            <pc:sldMk cId="3631249775" sldId="262"/>
+            <ac:picMk id="4" creationId="{DECB8B46-FAAD-8623-FDFB-6871928DF1D6}"/>
+          </ac:picMkLst>
+        </pc:picChg>
+        <pc:picChg chg="add mod">
+          <ac:chgData name="Sipos Dávid" userId="S::david.sipos@stud.uni-obuda.hu::33a32994-da80-4891-9b23-6e12fa1b238b" providerId="AD" clId="Web-{3CB0FE1A-4436-B3A2-EB38-110951C75BC1}" dt="2023-06-07T10:52:30.799" v="242" actId="1076"/>
+          <ac:picMkLst>
+            <pc:docMk/>
+            <pc:sldMk cId="3631249775" sldId="262"/>
+            <ac:picMk id="5" creationId="{2CD3CA96-4BB6-23B1-31D8-C78F3081125B}"/>
+          </ac:picMkLst>
+        </pc:picChg>
+      </pc:sldChg>
+      <pc:sldChg chg="addSp delSp modSp new">
+        <pc:chgData name="Sipos Dávid" userId="S::david.sipos@stud.uni-obuda.hu::33a32994-da80-4891-9b23-6e12fa1b238b" providerId="AD" clId="Web-{3CB0FE1A-4436-B3A2-EB38-110951C75BC1}" dt="2023-06-07T10:46:19.959" v="162" actId="1076"/>
+        <pc:sldMkLst>
+          <pc:docMk/>
+          <pc:sldMk cId="2390218224" sldId="263"/>
+        </pc:sldMkLst>
+        <pc:spChg chg="mod">
+          <ac:chgData name="Sipos Dávid" userId="S::david.sipos@stud.uni-obuda.hu::33a32994-da80-4891-9b23-6e12fa1b238b" providerId="AD" clId="Web-{3CB0FE1A-4436-B3A2-EB38-110951C75BC1}" dt="2023-06-07T10:43:38.735" v="111" actId="20577"/>
+          <ac:spMkLst>
+            <pc:docMk/>
+            <pc:sldMk cId="2390218224" sldId="263"/>
+            <ac:spMk id="2" creationId="{05E07FD6-47B3-94D0-A37A-5E5F6120E6CB}"/>
+          </ac:spMkLst>
+        </pc:spChg>
+        <pc:spChg chg="del">
+          <ac:chgData name="Sipos Dávid" userId="S::david.sipos@stud.uni-obuda.hu::33a32994-da80-4891-9b23-6e12fa1b238b" providerId="AD" clId="Web-{3CB0FE1A-4436-B3A2-EB38-110951C75BC1}" dt="2023-06-07T10:43:47.532" v="112"/>
+          <ac:spMkLst>
+            <pc:docMk/>
+            <pc:sldMk cId="2390218224" sldId="263"/>
+            <ac:spMk id="3" creationId="{266766BC-8338-D4EC-B89B-67BF9370D8CE}"/>
+          </ac:spMkLst>
+        </pc:spChg>
+        <pc:spChg chg="add mod">
+          <ac:chgData name="Sipos Dávid" userId="S::david.sipos@stud.uni-obuda.hu::33a32994-da80-4891-9b23-6e12fa1b238b" providerId="AD" clId="Web-{3CB0FE1A-4436-B3A2-EB38-110951C75BC1}" dt="2023-06-07T10:45:54.505" v="153" actId="14100"/>
+          <ac:spMkLst>
+            <pc:docMk/>
+            <pc:sldMk cId="2390218224" sldId="263"/>
+            <ac:spMk id="6" creationId="{D1216989-80F3-381C-8C69-6CCFD317BB76}"/>
+          </ac:spMkLst>
+        </pc:spChg>
+        <pc:spChg chg="add mod">
+          <ac:chgData name="Sipos Dávid" userId="S::david.sipos@stud.uni-obuda.hu::33a32994-da80-4891-9b23-6e12fa1b238b" providerId="AD" clId="Web-{3CB0FE1A-4436-B3A2-EB38-110951C75BC1}" dt="2023-06-07T10:46:00.177" v="157" actId="20577"/>
+          <ac:spMkLst>
+            <pc:docMk/>
+            <pc:sldMk cId="2390218224" sldId="263"/>
+            <ac:spMk id="10" creationId="{F92C6FE3-DA57-DD3A-B782-90700CE6E5E5}"/>
+          </ac:spMkLst>
+        </pc:spChg>
+        <pc:spChg chg="add mod">
+          <ac:chgData name="Sipos Dávid" userId="S::david.sipos@stud.uni-obuda.hu::33a32994-da80-4891-9b23-6e12fa1b238b" providerId="AD" clId="Web-{3CB0FE1A-4436-B3A2-EB38-110951C75BC1}" dt="2023-06-07T10:46:19.959" v="162" actId="1076"/>
+          <ac:spMkLst>
+            <pc:docMk/>
+            <pc:sldMk cId="2390218224" sldId="263"/>
+            <ac:spMk id="11" creationId="{500550BB-A924-C8E8-9240-D393D8D7D16A}"/>
+          </ac:spMkLst>
+        </pc:spChg>
+        <pc:picChg chg="add mod ord">
+          <ac:chgData name="Sipos Dávid" userId="S::david.sipos@stud.uni-obuda.hu::33a32994-da80-4891-9b23-6e12fa1b238b" providerId="AD" clId="Web-{3CB0FE1A-4436-B3A2-EB38-110951C75BC1}" dt="2023-06-07T10:44:35.362" v="125" actId="1076"/>
+          <ac:picMkLst>
+            <pc:docMk/>
+            <pc:sldMk cId="2390218224" sldId="263"/>
+            <ac:picMk id="4" creationId="{DCE41D7E-AACC-EB1A-135E-55C54E15B526}"/>
+          </ac:picMkLst>
+        </pc:picChg>
+        <pc:picChg chg="add mod">
+          <ac:chgData name="Sipos Dávid" userId="S::david.sipos@stud.uni-obuda.hu::33a32994-da80-4891-9b23-6e12fa1b238b" providerId="AD" clId="Web-{3CB0FE1A-4436-B3A2-EB38-110951C75BC1}" dt="2023-06-07T10:44:18.861" v="118" actId="1076"/>
+          <ac:picMkLst>
+            <pc:docMk/>
+            <pc:sldMk cId="2390218224" sldId="263"/>
+            <ac:picMk id="5" creationId="{AA406890-BD2A-FFF4-2346-CB7DD8FE3989}"/>
+          </ac:picMkLst>
+        </pc:picChg>
+        <pc:picChg chg="add mod">
+          <ac:chgData name="Sipos Dávid" userId="S::david.sipos@stud.uni-obuda.hu::33a32994-da80-4891-9b23-6e12fa1b238b" providerId="AD" clId="Web-{3CB0FE1A-4436-B3A2-EB38-110951C75BC1}" dt="2023-06-07T10:44:49.816" v="128" actId="14100"/>
+          <ac:picMkLst>
+            <pc:docMk/>
+            <pc:sldMk cId="2390218224" sldId="263"/>
+            <ac:picMk id="7" creationId="{C3B4326F-D4ED-BEE6-D5B2-FBE920C8C538}"/>
+          </ac:picMkLst>
+        </pc:picChg>
+        <pc:picChg chg="add mod">
+          <ac:chgData name="Sipos Dávid" userId="S::david.sipos@stud.uni-obuda.hu::33a32994-da80-4891-9b23-6e12fa1b238b" providerId="AD" clId="Web-{3CB0FE1A-4436-B3A2-EB38-110951C75BC1}" dt="2023-06-07T10:45:03.613" v="132" actId="1076"/>
+          <ac:picMkLst>
+            <pc:docMk/>
+            <pc:sldMk cId="2390218224" sldId="263"/>
+            <ac:picMk id="8" creationId="{43DA6034-C880-417E-E22C-BD7E181CB200}"/>
+          </ac:picMkLst>
+        </pc:picChg>
+        <pc:picChg chg="add mod">
+          <ac:chgData name="Sipos Dávid" userId="S::david.sipos@stud.uni-obuda.hu::33a32994-da80-4891-9b23-6e12fa1b238b" providerId="AD" clId="Web-{3CB0FE1A-4436-B3A2-EB38-110951C75BC1}" dt="2023-06-07T10:45:13.269" v="136" actId="14100"/>
+          <ac:picMkLst>
+            <pc:docMk/>
+            <pc:sldMk cId="2390218224" sldId="263"/>
+            <ac:picMk id="9" creationId="{5D5E7507-91F1-B32B-74ED-328C968E62C4}"/>
+          </ac:picMkLst>
+        </pc:picChg>
+      </pc:sldChg>
+      <pc:sldChg chg="addSp delSp modSp new">
+        <pc:chgData name="Sipos Dávid" userId="S::david.sipos@stud.uni-obuda.hu::33a32994-da80-4891-9b23-6e12fa1b238b" providerId="AD" clId="Web-{3CB0FE1A-4436-B3A2-EB38-110951C75BC1}" dt="2023-06-07T10:55:24.602" v="265" actId="1076"/>
+        <pc:sldMkLst>
+          <pc:docMk/>
+          <pc:sldMk cId="2713963562" sldId="264"/>
+        </pc:sldMkLst>
+        <pc:spChg chg="mod">
+          <ac:chgData name="Sipos Dávid" userId="S::david.sipos@stud.uni-obuda.hu::33a32994-da80-4891-9b23-6e12fa1b238b" providerId="AD" clId="Web-{3CB0FE1A-4436-B3A2-EB38-110951C75BC1}" dt="2023-06-07T10:55:20.211" v="264"/>
+          <ac:spMkLst>
+            <pc:docMk/>
+            <pc:sldMk cId="2713963562" sldId="264"/>
+            <ac:spMk id="2" creationId="{3C3F1C39-CEC9-5835-A6B9-52E2B3022A46}"/>
+          </ac:spMkLst>
+        </pc:spChg>
+        <pc:spChg chg="del">
+          <ac:chgData name="Sipos Dávid" userId="S::david.sipos@stud.uni-obuda.hu::33a32994-da80-4891-9b23-6e12fa1b238b" providerId="AD" clId="Web-{3CB0FE1A-4436-B3A2-EB38-110951C75BC1}" dt="2023-06-07T10:54:06.084" v="244"/>
+          <ac:spMkLst>
+            <pc:docMk/>
+            <pc:sldMk cId="2713963562" sldId="264"/>
+            <ac:spMk id="3" creationId="{7BAD137F-91C3-1B65-F18B-B9D68CBBF8EC}"/>
+          </ac:spMkLst>
+        </pc:spChg>
+        <pc:spChg chg="add del mod">
+          <ac:chgData name="Sipos Dávid" userId="S::david.sipos@stud.uni-obuda.hu::33a32994-da80-4891-9b23-6e12fa1b238b" providerId="AD" clId="Web-{3CB0FE1A-4436-B3A2-EB38-110951C75BC1}" dt="2023-06-07T10:54:43.053" v="250"/>
+          <ac:spMkLst>
+            <pc:docMk/>
+            <pc:sldMk cId="2713963562" sldId="264"/>
+            <ac:spMk id="6" creationId="{C2CDCE5B-B77D-1491-FFA1-F52F9EC969FA}"/>
+          </ac:spMkLst>
+        </pc:spChg>
+        <pc:picChg chg="add del mod ord">
+          <ac:chgData name="Sipos Dávid" userId="S::david.sipos@stud.uni-obuda.hu::33a32994-da80-4891-9b23-6e12fa1b238b" providerId="AD" clId="Web-{3CB0FE1A-4436-B3A2-EB38-110951C75BC1}" dt="2023-06-07T10:54:39.678" v="249"/>
+          <ac:picMkLst>
+            <pc:docMk/>
+            <pc:sldMk cId="2713963562" sldId="264"/>
+            <ac:picMk id="4" creationId="{4624BB8F-94A1-3426-ED8E-73D5536262A3}"/>
+          </ac:picMkLst>
+        </pc:picChg>
+        <pc:picChg chg="add mod ord">
+          <ac:chgData name="Sipos Dávid" userId="S::david.sipos@stud.uni-obuda.hu::33a32994-da80-4891-9b23-6e12fa1b238b" providerId="AD" clId="Web-{3CB0FE1A-4436-B3A2-EB38-110951C75BC1}" dt="2023-06-07T10:55:24.602" v="265" actId="1076"/>
+          <ac:picMkLst>
+            <pc:docMk/>
+            <pc:sldMk cId="2713963562" sldId="264"/>
+            <ac:picMk id="7" creationId="{5701034F-7AE7-BF6F-291B-81CE55FE9994}"/>
+          </ac:picMkLst>
+        </pc:picChg>
       </pc:sldChg>
     </pc:docChg>
   </pc:docChgLst>
@@ -1316,7 +1683,7 @@
             <a:fld id="{B61BEF0D-F0BB-DE4B-95CE-6DB70DBA9567}" type="datetimeFigureOut">
               <a:rPr lang="en-US" dirty="0"/>
               <a:pPr/>
-              <a:t>5/31/2023</a:t>
+              <a:t>6/7/2023</a:t>
             </a:fld>
             <a:endParaRPr lang="en-US" dirty="0"/>
           </a:p>
@@ -1609,7 +1976,7 @@
             <a:fld id="{B61BEF0D-F0BB-DE4B-95CE-6DB70DBA9567}" type="datetimeFigureOut">
               <a:rPr lang="en-US" dirty="0"/>
               <a:pPr/>
-              <a:t>5/31/2023</a:t>
+              <a:t>6/7/2023</a:t>
             </a:fld>
             <a:endParaRPr lang="en-US" dirty="0"/>
           </a:p>
@@ -1858,7 +2225,7 @@
             <a:fld id="{B61BEF0D-F0BB-DE4B-95CE-6DB70DBA9567}" type="datetimeFigureOut">
               <a:rPr lang="en-US" dirty="0"/>
               <a:pPr/>
-              <a:t>5/31/2023</a:t>
+              <a:t>6/7/2023</a:t>
             </a:fld>
             <a:endParaRPr lang="en-US" dirty="0"/>
           </a:p>
@@ -2399,7 +2766,7 @@
             <a:fld id="{B61BEF0D-F0BB-DE4B-95CE-6DB70DBA9567}" type="datetimeFigureOut">
               <a:rPr lang="en-US" dirty="0"/>
               <a:pPr/>
-              <a:t>5/31/2023</a:t>
+              <a:t>6/7/2023</a:t>
             </a:fld>
             <a:endParaRPr lang="en-US" dirty="0"/>
           </a:p>
@@ -2648,7 +3015,7 @@
             <a:fld id="{B61BEF0D-F0BB-DE4B-95CE-6DB70DBA9567}" type="datetimeFigureOut">
               <a:rPr lang="en-US" dirty="0"/>
               <a:pPr/>
-              <a:t>5/31/2023</a:t>
+              <a:t>6/7/2023</a:t>
             </a:fld>
             <a:endParaRPr lang="en-US" dirty="0"/>
           </a:p>
@@ -3181,7 +3548,7 @@
             <a:fld id="{B61BEF0D-F0BB-DE4B-95CE-6DB70DBA9567}" type="datetimeFigureOut">
               <a:rPr lang="en-US" dirty="0"/>
               <a:pPr/>
-              <a:t>5/31/2023</a:t>
+              <a:t>6/7/2023</a:t>
             </a:fld>
             <a:endParaRPr lang="en-US" dirty="0"/>
           </a:p>
@@ -3479,7 +3846,7 @@
             <a:fld id="{B61BEF0D-F0BB-DE4B-95CE-6DB70DBA9567}" type="datetimeFigureOut">
               <a:rPr lang="en-US" dirty="0"/>
               <a:pPr/>
-              <a:t>5/31/2023</a:t>
+              <a:t>6/7/2023</a:t>
             </a:fld>
             <a:endParaRPr lang="en-US" dirty="0"/>
           </a:p>
@@ -3653,7 +4020,7 @@
             <a:fld id="{B61BEF0D-F0BB-DE4B-95CE-6DB70DBA9567}" type="datetimeFigureOut">
               <a:rPr lang="en-US" dirty="0"/>
               <a:pPr/>
-              <a:t>5/31/2023</a:t>
+              <a:t>6/7/2023</a:t>
             </a:fld>
             <a:endParaRPr lang="en-US" dirty="0"/>
           </a:p>
@@ -3833,7 +4200,7 @@
             <a:fld id="{B61BEF0D-F0BB-DE4B-95CE-6DB70DBA9567}" type="datetimeFigureOut">
               <a:rPr lang="en-US" dirty="0"/>
               <a:pPr/>
-              <a:t>5/31/2023</a:t>
+              <a:t>6/7/2023</a:t>
             </a:fld>
             <a:endParaRPr lang="en-US" dirty="0"/>
           </a:p>
@@ -4003,7 +4370,7 @@
             <a:fld id="{B61BEF0D-F0BB-DE4B-95CE-6DB70DBA9567}" type="datetimeFigureOut">
               <a:rPr lang="en-US" dirty="0"/>
               <a:pPr/>
-              <a:t>5/31/2023</a:t>
+              <a:t>6/7/2023</a:t>
             </a:fld>
             <a:endParaRPr lang="en-US" dirty="0"/>
           </a:p>
@@ -4255,7 +4622,7 @@
             <a:fld id="{B61BEF0D-F0BB-DE4B-95CE-6DB70DBA9567}" type="datetimeFigureOut">
               <a:rPr lang="en-US" dirty="0"/>
               <a:pPr/>
-              <a:t>5/31/2023</a:t>
+              <a:t>6/7/2023</a:t>
             </a:fld>
             <a:endParaRPr lang="en-US" dirty="0"/>
           </a:p>
@@ -4551,7 +4918,7 @@
             <a:fld id="{B61BEF0D-F0BB-DE4B-95CE-6DB70DBA9567}" type="datetimeFigureOut">
               <a:rPr lang="en-US" dirty="0"/>
               <a:pPr/>
-              <a:t>5/31/2023</a:t>
+              <a:t>6/7/2023</a:t>
             </a:fld>
             <a:endParaRPr lang="en-US" dirty="0"/>
           </a:p>
@@ -4992,7 +5359,7 @@
             <a:fld id="{B61BEF0D-F0BB-DE4B-95CE-6DB70DBA9567}" type="datetimeFigureOut">
               <a:rPr lang="en-US" dirty="0"/>
               <a:pPr/>
-              <a:t>5/31/2023</a:t>
+              <a:t>6/7/2023</a:t>
             </a:fld>
             <a:endParaRPr lang="en-US" dirty="0"/>
           </a:p>
@@ -5111,7 +5478,7 @@
             <a:fld id="{B61BEF0D-F0BB-DE4B-95CE-6DB70DBA9567}" type="datetimeFigureOut">
               <a:rPr lang="en-US" dirty="0"/>
               <a:pPr/>
-              <a:t>5/31/2023</a:t>
+              <a:t>6/7/2023</a:t>
             </a:fld>
             <a:endParaRPr lang="en-US" dirty="0"/>
           </a:p>
@@ -5208,7 +5575,7 @@
             <a:fld id="{B61BEF0D-F0BB-DE4B-95CE-6DB70DBA9567}" type="datetimeFigureOut">
               <a:rPr lang="en-US" dirty="0"/>
               <a:pPr/>
-              <a:t>5/31/2023</a:t>
+              <a:t>6/7/2023</a:t>
             </a:fld>
             <a:endParaRPr lang="en-US" dirty="0"/>
           </a:p>
@@ -5491,7 +5858,7 @@
             <a:fld id="{B61BEF0D-F0BB-DE4B-95CE-6DB70DBA9567}" type="datetimeFigureOut">
               <a:rPr lang="en-US" dirty="0"/>
               <a:pPr/>
-              <a:t>5/31/2023</a:t>
+              <a:t>6/7/2023</a:t>
             </a:fld>
             <a:endParaRPr lang="en-US" dirty="0"/>
           </a:p>
@@ -5779,7 +6146,7 @@
             <a:fld id="{B61BEF0D-F0BB-DE4B-95CE-6DB70DBA9567}" type="datetimeFigureOut">
               <a:rPr lang="en-US" dirty="0"/>
               <a:pPr/>
-              <a:t>5/31/2023</a:t>
+              <a:t>6/7/2023</a:t>
             </a:fld>
             <a:endParaRPr lang="en-US" dirty="0"/>
           </a:p>
@@ -6309,7 +6676,7 @@
             <a:fld id="{B61BEF0D-F0BB-DE4B-95CE-6DB70DBA9567}" type="datetimeFigureOut">
               <a:rPr lang="en-US" dirty="0"/>
               <a:pPr/>
-              <a:t>5/31/2023</a:t>
+              <a:t>6/7/2023</a:t>
             </a:fld>
             <a:endParaRPr lang="en-US" dirty="0"/>
           </a:p>
@@ -7981,7 +8348,7 @@
           <p:cNvPr id="2" name="Cím 1">
             <a:extLst>
               <a:ext uri="{FF2B5EF4-FFF2-40B4-BE49-F238E27FC236}">
-                <a16:creationId xmlns:a16="http://schemas.microsoft.com/office/drawing/2014/main" id="{E60A7DA0-31AC-044A-7C41-C28ED61408DD}"/>
+                <a16:creationId xmlns:a16="http://schemas.microsoft.com/office/drawing/2014/main" id="{761479EC-4DFC-7089-A1C3-4F38918E215D}"/>
               </a:ext>
             </a:extLst>
           </p:cNvPr>
@@ -7994,7 +8361,7 @@
         </p:nvSpPr>
         <p:spPr>
           <a:xfrm>
-            <a:off x="1755022" y="-316832"/>
+            <a:off x="321258" y="-477253"/>
             <a:ext cx="10018713" cy="1752599"/>
           </a:xfrm>
         </p:spPr>
@@ -8003,8 +8370,8 @@
           <a:lstStyle/>
           <a:p>
             <a:r>
-              <a:rPr lang="hu-HU" b="1" dirty="0"/>
-              <a:t>Eredmények</a:t>
+              <a:rPr lang="hu-HU" dirty="0" err="1"/>
+              <a:t>Dataset</a:t>
             </a:r>
           </a:p>
         </p:txBody>
@@ -8014,7 +8381,7 @@
           <p:cNvPr id="3" name="Tartalom helye 2">
             <a:extLst>
               <a:ext uri="{FF2B5EF4-FFF2-40B4-BE49-F238E27FC236}">
-                <a16:creationId xmlns:a16="http://schemas.microsoft.com/office/drawing/2014/main" id="{FD1CBE03-499D-7247-FEB0-2A2CC69B9392}"/>
+                <a16:creationId xmlns:a16="http://schemas.microsoft.com/office/drawing/2014/main" id="{033D5C53-DD97-A2E4-935F-0E9B3E79E5E4}"/>
               </a:ext>
             </a:extLst>
           </p:cNvPr>
@@ -8027,8 +8394,8 @@
         </p:nvSpPr>
         <p:spPr>
           <a:xfrm>
-            <a:off x="1464257" y="882314"/>
-            <a:ext cx="10018713" cy="757991"/>
+            <a:off x="1464257" y="150394"/>
+            <a:ext cx="10018713" cy="3124201"/>
           </a:xfrm>
         </p:spPr>
         <p:txBody>
@@ -8036,26 +8403,126 @@
           <a:lstStyle/>
           <a:p>
             <a:r>
+              <a:rPr lang="hu-HU" sz="2700" b="1" dirty="0">
+                <a:solidFill>
+                  <a:srgbClr val="202124"/>
+                </a:solidFill>
+              </a:rPr>
+              <a:t>Formula 1 World </a:t>
+            </a:r>
+            <a:r>
+              <a:rPr lang="hu-HU" sz="2700" b="1" dirty="0" err="1">
+                <a:solidFill>
+                  <a:srgbClr val="202124"/>
+                </a:solidFill>
+              </a:rPr>
+              <a:t>Championship</a:t>
+            </a:r>
+            <a:r>
+              <a:rPr lang="hu-HU" sz="2700" b="1" dirty="0">
+                <a:solidFill>
+                  <a:srgbClr val="202124"/>
+                </a:solidFill>
+              </a:rPr>
+              <a:t> (1950 - 2023)</a:t>
+            </a:r>
+            <a:endParaRPr lang="hu-HU" dirty="0"/>
+          </a:p>
+          <a:p>
+            <a:pPr lvl="1">
+              <a:buClr>
+                <a:srgbClr val="1287C3"/>
+              </a:buClr>
+            </a:pPr>
+            <a:r>
+              <a:rPr lang="hu-HU" dirty="0" err="1"/>
+              <a:t>drivers</a:t>
+            </a:r>
+            <a:r>
               <a:rPr lang="hu-HU" dirty="0"/>
-              <a:t>A </a:t>
+              <a:t>, </a:t>
             </a:r>
             <a:r>
               <a:rPr lang="hu-HU" dirty="0" err="1"/>
-              <a:t>prediciók</a:t>
+              <a:t>driver_result</a:t>
             </a:r>
             <a:r>
               <a:rPr lang="hu-HU" dirty="0"/>
-              <a:t> eredményei nagyjából egy randomgenerátoréval egyenlőek.</a:t>
+              <a:t>, </a:t>
+            </a:r>
+            <a:r>
+              <a:rPr lang="hu-HU" dirty="0" err="1"/>
+              <a:t>races</a:t>
+            </a:r>
+            <a:r>
+              <a:rPr lang="hu-HU" dirty="0"/>
+              <a:t>, </a:t>
+            </a:r>
+            <a:r>
+              <a:rPr lang="hu-HU" dirty="0" err="1"/>
+              <a:t>circuits</a:t>
+            </a:r>
+            <a:r>
+              <a:rPr lang="hu-HU" dirty="0"/>
+              <a:t>, </a:t>
+            </a:r>
+            <a:r>
+              <a:rPr lang="hu-HU" dirty="0" err="1"/>
+              <a:t>driver_standings</a:t>
+            </a:r>
+            <a:r>
+              <a:rPr lang="hu-HU" dirty="0"/>
+              <a:t>, </a:t>
+            </a:r>
+            <a:r>
+              <a:rPr lang="hu-HU" dirty="0" err="1"/>
+              <a:t>laptimes</a:t>
+            </a:r>
+            <a:r>
+              <a:rPr lang="hu-HU" dirty="0"/>
+              <a:t>, </a:t>
+            </a:r>
+            <a:r>
+              <a:rPr lang="hu-HU" dirty="0" err="1"/>
+              <a:t>qualifying</a:t>
+            </a:r>
+            <a:endParaRPr lang="hu-HU"/>
+          </a:p>
+          <a:p>
+            <a:pPr>
+              <a:buClr>
+                <a:srgbClr val="1287C3"/>
+              </a:buClr>
+            </a:pPr>
+            <a:r>
+              <a:rPr lang="hu-HU" dirty="0" err="1"/>
+              <a:t>WinRate</a:t>
+            </a:r>
+            <a:r>
+              <a:rPr lang="hu-HU" dirty="0"/>
+              <a:t>, </a:t>
+            </a:r>
+            <a:r>
+              <a:rPr lang="hu-HU" dirty="0" err="1"/>
+              <a:t>fastestLapRate</a:t>
+            </a:r>
+            <a:r>
+              <a:rPr lang="hu-HU" dirty="0"/>
+              <a:t>, </a:t>
+            </a:r>
+            <a:r>
+              <a:rPr lang="hu-HU" dirty="0" err="1"/>
+              <a:t>qualifyingRate</a:t>
             </a:r>
           </a:p>
         </p:txBody>
       </p:sp>
       <p:pic>
         <p:nvPicPr>
-          <p:cNvPr id="4" name="Kép 4" descr="A képen szöveg látható&#10;&#10;Automatikusan generált leírás">
+          <p:cNvPr id="4" name="Kép 4" descr="A képen szöveg, számítógép, fedett pályás, computer látható&#10;&#10;Automatikusan generált leírás">
             <a:extLst>
               <a:ext uri="{FF2B5EF4-FFF2-40B4-BE49-F238E27FC236}">
-                <a16:creationId xmlns:a16="http://schemas.microsoft.com/office/drawing/2014/main" id="{9A674B01-7080-B8BB-1635-2073CB3723E1}"/>
+                <a16:creationId xmlns:a16="http://schemas.microsoft.com/office/drawing/2014/main" id="{DECB8B46-FAAD-8623-FDFB-6871928DF1D6}"/>
               </a:ext>
             </a:extLst>
           </p:cNvPr>
@@ -8072,8 +8539,8 @@
         </p:blipFill>
         <p:spPr>
           <a:xfrm>
-            <a:off x="4233111" y="1879056"/>
-            <a:ext cx="6693567" cy="4102521"/>
+            <a:off x="3350795" y="2593047"/>
+            <a:ext cx="8357936" cy="3366352"/>
           </a:xfrm>
           <a:prstGeom prst="rect">
             <a:avLst/>
@@ -8085,7 +8552,7 @@
           <p:cNvPr id="5" name="Kép 5" descr="A képen szöveg látható&#10;&#10;Automatikusan generált leírás">
             <a:extLst>
               <a:ext uri="{FF2B5EF4-FFF2-40B4-BE49-F238E27FC236}">
-                <a16:creationId xmlns:a16="http://schemas.microsoft.com/office/drawing/2014/main" id="{EE9EA0A7-F257-6DFF-D0F5-AC78CEAA2550}"/>
+                <a16:creationId xmlns:a16="http://schemas.microsoft.com/office/drawing/2014/main" id="{2CD3CA96-4BB6-23B1-31D8-C78F3081125B}"/>
               </a:ext>
             </a:extLst>
           </p:cNvPr>
@@ -8102,20 +8569,399 @@
         </p:blipFill>
         <p:spPr>
           <a:xfrm>
-            <a:off x="4273216" y="1976247"/>
-            <a:ext cx="7044488" cy="4008400"/>
+            <a:off x="-48127" y="3247773"/>
+            <a:ext cx="12619121" cy="1936584"/>
           </a:xfrm>
           <a:prstGeom prst="rect">
             <a:avLst/>
           </a:prstGeom>
         </p:spPr>
       </p:pic>
+    </p:spTree>
+    <p:extLst>
+      <p:ext uri="{BB962C8B-B14F-4D97-AF65-F5344CB8AC3E}">
+        <p14:creationId xmlns:p14="http://schemas.microsoft.com/office/powerpoint/2010/main" val="3631249775"/>
+      </p:ext>
+    </p:extLst>
+  </p:cSld>
+  <p:clrMapOvr>
+    <a:masterClrMapping/>
+  </p:clrMapOvr>
+  <p:timing>
+    <p:tnLst>
+      <p:par>
+        <p:cTn id="1" dur="indefinite" restart="never" nodeType="tmRoot">
+          <p:childTnLst>
+            <p:seq concurrent="1" nextAc="seek">
+              <p:cTn id="2" dur="indefinite" nodeType="mainSeq">
+                <p:childTnLst>
+                  <p:par>
+                    <p:cTn id="3" fill="hold">
+                      <p:stCondLst>
+                        <p:cond delay="indefinite"/>
+                      </p:stCondLst>
+                      <p:childTnLst>
+                        <p:par>
+                          <p:cTn id="4" fill="hold">
+                            <p:stCondLst>
+                              <p:cond delay="0"/>
+                            </p:stCondLst>
+                            <p:childTnLst>
+                              <p:par>
+                                <p:cTn id="5" presetID="1" presetClass="entr" presetSubtype="0" fill="hold" grpId="0" nodeType="clickEffect">
+                                  <p:stCondLst>
+                                    <p:cond delay="0"/>
+                                  </p:stCondLst>
+                                  <p:childTnLst>
+                                    <p:set>
+                                      <p:cBhvr>
+                                        <p:cTn id="6" dur="1" fill="hold">
+                                          <p:stCondLst>
+                                            <p:cond delay="0"/>
+                                          </p:stCondLst>
+                                        </p:cTn>
+                                        <p:tgtEl>
+                                          <p:spTgt spid="3">
+                                            <p:txEl>
+                                              <p:pRg st="0" end="0"/>
+                                            </p:txEl>
+                                          </p:spTgt>
+                                        </p:tgtEl>
+                                        <p:attrNameLst>
+                                          <p:attrName>style.visibility</p:attrName>
+                                        </p:attrNameLst>
+                                      </p:cBhvr>
+                                      <p:to>
+                                        <p:strVal val="visible"/>
+                                      </p:to>
+                                    </p:set>
+                                  </p:childTnLst>
+                                </p:cTn>
+                              </p:par>
+                              <p:par>
+                                <p:cTn id="7" presetID="1" presetClass="entr" presetSubtype="0" fill="hold" grpId="0" nodeType="withEffect">
+                                  <p:stCondLst>
+                                    <p:cond delay="0"/>
+                                  </p:stCondLst>
+                                  <p:childTnLst>
+                                    <p:set>
+                                      <p:cBhvr>
+                                        <p:cTn id="8" dur="1" fill="hold">
+                                          <p:stCondLst>
+                                            <p:cond delay="0"/>
+                                          </p:stCondLst>
+                                        </p:cTn>
+                                        <p:tgtEl>
+                                          <p:spTgt spid="3">
+                                            <p:txEl>
+                                              <p:pRg st="1" end="1"/>
+                                            </p:txEl>
+                                          </p:spTgt>
+                                        </p:tgtEl>
+                                        <p:attrNameLst>
+                                          <p:attrName>style.visibility</p:attrName>
+                                        </p:attrNameLst>
+                                      </p:cBhvr>
+                                      <p:to>
+                                        <p:strVal val="visible"/>
+                                      </p:to>
+                                    </p:set>
+                                  </p:childTnLst>
+                                </p:cTn>
+                              </p:par>
+                              <p:par>
+                                <p:cTn id="9" presetID="1" presetClass="entr" presetSubtype="0" fill="hold" nodeType="withEffect">
+                                  <p:stCondLst>
+                                    <p:cond delay="0"/>
+                                  </p:stCondLst>
+                                  <p:childTnLst>
+                                    <p:set>
+                                      <p:cBhvr>
+                                        <p:cTn id="10" dur="1" fill="hold">
+                                          <p:stCondLst>
+                                            <p:cond delay="0"/>
+                                          </p:stCondLst>
+                                        </p:cTn>
+                                        <p:tgtEl>
+                                          <p:spTgt spid="4"/>
+                                        </p:tgtEl>
+                                        <p:attrNameLst>
+                                          <p:attrName>style.visibility</p:attrName>
+                                        </p:attrNameLst>
+                                      </p:cBhvr>
+                                      <p:to>
+                                        <p:strVal val="visible"/>
+                                      </p:to>
+                                    </p:set>
+                                  </p:childTnLst>
+                                </p:cTn>
+                              </p:par>
+                            </p:childTnLst>
+                          </p:cTn>
+                        </p:par>
+                      </p:childTnLst>
+                    </p:cTn>
+                  </p:par>
+                  <p:par>
+                    <p:cTn id="11" fill="hold">
+                      <p:stCondLst>
+                        <p:cond delay="indefinite"/>
+                      </p:stCondLst>
+                      <p:childTnLst>
+                        <p:par>
+                          <p:cTn id="12" fill="hold">
+                            <p:stCondLst>
+                              <p:cond delay="0"/>
+                            </p:stCondLst>
+                            <p:childTnLst>
+                              <p:par>
+                                <p:cTn id="13" presetID="1" presetClass="entr" presetSubtype="0" fill="hold" grpId="0" nodeType="clickEffect">
+                                  <p:stCondLst>
+                                    <p:cond delay="0"/>
+                                  </p:stCondLst>
+                                  <p:childTnLst>
+                                    <p:set>
+                                      <p:cBhvr>
+                                        <p:cTn id="14" dur="1" fill="hold">
+                                          <p:stCondLst>
+                                            <p:cond delay="0"/>
+                                          </p:stCondLst>
+                                        </p:cTn>
+                                        <p:tgtEl>
+                                          <p:spTgt spid="3">
+                                            <p:txEl>
+                                              <p:pRg st="2" end="2"/>
+                                            </p:txEl>
+                                          </p:spTgt>
+                                        </p:tgtEl>
+                                        <p:attrNameLst>
+                                          <p:attrName>style.visibility</p:attrName>
+                                        </p:attrNameLst>
+                                      </p:cBhvr>
+                                      <p:to>
+                                        <p:strVal val="visible"/>
+                                      </p:to>
+                                    </p:set>
+                                  </p:childTnLst>
+                                </p:cTn>
+                              </p:par>
+                              <p:par>
+                                <p:cTn id="15" presetID="1" presetClass="entr" presetSubtype="0" fill="hold" nodeType="withEffect">
+                                  <p:stCondLst>
+                                    <p:cond delay="0"/>
+                                  </p:stCondLst>
+                                  <p:childTnLst>
+                                    <p:set>
+                                      <p:cBhvr>
+                                        <p:cTn id="16" dur="1" fill="hold">
+                                          <p:stCondLst>
+                                            <p:cond delay="0"/>
+                                          </p:stCondLst>
+                                        </p:cTn>
+                                        <p:tgtEl>
+                                          <p:spTgt spid="5"/>
+                                        </p:tgtEl>
+                                        <p:attrNameLst>
+                                          <p:attrName>style.visibility</p:attrName>
+                                        </p:attrNameLst>
+                                      </p:cBhvr>
+                                      <p:to>
+                                        <p:strVal val="visible"/>
+                                      </p:to>
+                                    </p:set>
+                                  </p:childTnLst>
+                                </p:cTn>
+                              </p:par>
+                            </p:childTnLst>
+                          </p:cTn>
+                        </p:par>
+                      </p:childTnLst>
+                    </p:cTn>
+                  </p:par>
+                </p:childTnLst>
+              </p:cTn>
+              <p:prevCondLst>
+                <p:cond evt="onPrev" delay="0">
+                  <p:tgtEl>
+                    <p:sldTgt/>
+                  </p:tgtEl>
+                </p:cond>
+              </p:prevCondLst>
+              <p:nextCondLst>
+                <p:cond evt="onNext" delay="0">
+                  <p:tgtEl>
+                    <p:sldTgt/>
+                  </p:tgtEl>
+                </p:cond>
+              </p:nextCondLst>
+            </p:seq>
+          </p:childTnLst>
+        </p:cTn>
+      </p:par>
+    </p:tnLst>
+    <p:bldLst>
+      <p:bldP spid="3" grpId="0" build="p"/>
+    </p:bldLst>
+  </p:timing>
+</p:sld>
+</file>
+
+<file path=ppt/slides/slide5.xml><?xml version="1.0" encoding="utf-8"?>
+<p:sld xmlns:a="http://schemas.openxmlformats.org/drawingml/2006/main" xmlns:r="http://schemas.openxmlformats.org/officeDocument/2006/relationships" xmlns:p="http://schemas.openxmlformats.org/presentationml/2006/main">
+  <p:cSld>
+    <p:spTree>
+      <p:nvGrpSpPr>
+        <p:cNvPr id="1" name=""/>
+        <p:cNvGrpSpPr/>
+        <p:nvPr/>
+      </p:nvGrpSpPr>
+      <p:grpSpPr>
+        <a:xfrm>
+          <a:off x="0" y="0"/>
+          <a:ext cx="0" cy="0"/>
+          <a:chOff x="0" y="0"/>
+          <a:chExt cx="0" cy="0"/>
+        </a:xfrm>
+      </p:grpSpPr>
+      <p:sp>
+        <p:nvSpPr>
+          <p:cNvPr id="2" name="Cím 1">
+            <a:extLst>
+              <a:ext uri="{FF2B5EF4-FFF2-40B4-BE49-F238E27FC236}">
+                <a16:creationId xmlns:a16="http://schemas.microsoft.com/office/drawing/2014/main" id="{05E07FD6-47B3-94D0-A37A-5E5F6120E6CB}"/>
+              </a:ext>
+            </a:extLst>
+          </p:cNvPr>
+          <p:cNvSpPr>
+            <a:spLocks noGrp="1"/>
+          </p:cNvSpPr>
+          <p:nvPr>
+            <p:ph type="title"/>
+          </p:nvPr>
+        </p:nvSpPr>
+        <p:spPr/>
+        <p:txBody>
+          <a:bodyPr/>
+          <a:lstStyle/>
+          <a:p>
+            <a:r>
+              <a:rPr lang="hu-HU" dirty="0"/>
+              <a:t>Modellek pontossága</a:t>
+            </a:r>
+          </a:p>
+        </p:txBody>
+      </p:sp>
       <p:pic>
         <p:nvPicPr>
-          <p:cNvPr id="6" name="Kép 6" descr="A képen szöveg, emléktábla látható&#10;&#10;Automatikusan generált leírás">
+          <p:cNvPr id="4" name="Kép 4" descr="A képen szöveg látható&#10;&#10;Automatikusan generált leírás">
             <a:extLst>
               <a:ext uri="{FF2B5EF4-FFF2-40B4-BE49-F238E27FC236}">
-                <a16:creationId xmlns:a16="http://schemas.microsoft.com/office/drawing/2014/main" id="{CB77E4E4-AE67-1B03-5F1A-BE1F935A90C7}"/>
+                <a16:creationId xmlns:a16="http://schemas.microsoft.com/office/drawing/2014/main" id="{DCE41D7E-AACC-EB1A-135E-55C54E15B526}"/>
+              </a:ext>
+            </a:extLst>
+          </p:cNvPr>
+          <p:cNvPicPr>
+            <a:picLocks noGrp="1" noChangeAspect="1"/>
+          </p:cNvPicPr>
+          <p:nvPr>
+            <p:ph idx="1"/>
+          </p:nvPr>
+        </p:nvPicPr>
+        <p:blipFill>
+          <a:blip r:embed="rId2"/>
+          <a:stretch>
+            <a:fillRect/>
+          </a:stretch>
+        </p:blipFill>
+        <p:spPr>
+          <a:xfrm>
+            <a:off x="1206445" y="2223294"/>
+            <a:ext cx="4048125" cy="1143000"/>
+          </a:xfrm>
+        </p:spPr>
+      </p:pic>
+      <p:pic>
+        <p:nvPicPr>
+          <p:cNvPr id="5" name="Kép 5" descr="A képen szöveg látható&#10;&#10;Automatikusan generált leírás">
+            <a:extLst>
+              <a:ext uri="{FF2B5EF4-FFF2-40B4-BE49-F238E27FC236}">
+                <a16:creationId xmlns:a16="http://schemas.microsoft.com/office/drawing/2014/main" id="{AA406890-BD2A-FFF4-2346-CB7DD8FE3989}"/>
+              </a:ext>
+            </a:extLst>
+          </p:cNvPr>
+          <p:cNvPicPr>
+            <a:picLocks noChangeAspect="1"/>
+          </p:cNvPicPr>
+          <p:nvPr/>
+        </p:nvPicPr>
+        <p:blipFill>
+          <a:blip r:embed="rId3"/>
+          <a:stretch>
+            <a:fillRect/>
+          </a:stretch>
+        </p:blipFill>
+        <p:spPr>
+          <a:xfrm>
+            <a:off x="7180848" y="2221186"/>
+            <a:ext cx="3645568" cy="1102181"/>
+          </a:xfrm>
+          <a:prstGeom prst="rect">
+            <a:avLst/>
+          </a:prstGeom>
+        </p:spPr>
+      </p:pic>
+      <p:sp>
+        <p:nvSpPr>
+          <p:cNvPr id="6" name="Szövegdoboz 5">
+            <a:extLst>
+              <a:ext uri="{FF2B5EF4-FFF2-40B4-BE49-F238E27FC236}">
+                <a16:creationId xmlns:a16="http://schemas.microsoft.com/office/drawing/2014/main" id="{D1216989-80F3-381C-8C69-6CCFD317BB76}"/>
+              </a:ext>
+            </a:extLst>
+          </p:cNvPr>
+          <p:cNvSpPr txBox="1"/>
+          <p:nvPr/>
+        </p:nvSpPr>
+        <p:spPr>
+          <a:xfrm>
+            <a:off x="7379368" y="1894973"/>
+            <a:ext cx="3328736" cy="369332"/>
+          </a:xfrm>
+          <a:prstGeom prst="rect">
+            <a:avLst/>
+          </a:prstGeom>
+          <a:noFill/>
+        </p:spPr>
+        <p:txBody>
+          <a:bodyPr rot="0" spcFirstLastPara="0" vertOverflow="overflow" horzOverflow="overflow" vert="horz" wrap="square" lIns="91440" tIns="45720" rIns="91440" bIns="45720" numCol="1" spcCol="0" rtlCol="0" fromWordArt="0" anchor="t" anchorCtr="0" forceAA="0" compatLnSpc="1">
+            <a:prstTxWarp prst="textNoShape">
+              <a:avLst/>
+            </a:prstTxWarp>
+            <a:spAutoFit/>
+          </a:bodyPr>
+          <a:lstStyle/>
+          <a:p>
+            <a:r>
+              <a:rPr lang="hu-HU" dirty="0"/>
+              <a:t>MinMax </a:t>
+            </a:r>
+            <a:r>
+              <a:rPr lang="hu-HU" dirty="0" err="1"/>
+              <a:t>Scaler</a:t>
+            </a:r>
+            <a:r>
+              <a:rPr lang="hu-HU" dirty="0"/>
+              <a:t> + eredmény</a:t>
+            </a:r>
+          </a:p>
+        </p:txBody>
+      </p:sp>
+      <p:pic>
+        <p:nvPicPr>
+          <p:cNvPr id="7" name="Kép 7" descr="A képen szöveg látható&#10;&#10;Automatikusan generált leírás">
+            <a:extLst>
+              <a:ext uri="{FF2B5EF4-FFF2-40B4-BE49-F238E27FC236}">
+                <a16:creationId xmlns:a16="http://schemas.microsoft.com/office/drawing/2014/main" id="{C3B4326F-D4ED-BEE6-D5B2-FBE920C8C538}"/>
               </a:ext>
             </a:extLst>
           </p:cNvPr>
@@ -8132,8 +8978,8 @@
         </p:blipFill>
         <p:spPr>
           <a:xfrm>
-            <a:off x="4273216" y="1917481"/>
-            <a:ext cx="7114673" cy="4356536"/>
+            <a:off x="7180847" y="3316524"/>
+            <a:ext cx="3645568" cy="1067161"/>
           </a:xfrm>
           <a:prstGeom prst="rect">
             <a:avLst/>
@@ -8142,10 +8988,10 @@
       </p:pic>
       <p:pic>
         <p:nvPicPr>
-          <p:cNvPr id="7" name="Kép 7" descr="A képen szöveg, emléktábla látható&#10;&#10;Automatikusan generált leírás">
+          <p:cNvPr id="8" name="Kép 8" descr="A képen szöveg látható&#10;&#10;Automatikusan generált leírás">
             <a:extLst>
               <a:ext uri="{FF2B5EF4-FFF2-40B4-BE49-F238E27FC236}">
-                <a16:creationId xmlns:a16="http://schemas.microsoft.com/office/drawing/2014/main" id="{BEF9AE42-EC5F-65C8-4661-185DB0FAE5DD}"/>
+                <a16:creationId xmlns:a16="http://schemas.microsoft.com/office/drawing/2014/main" id="{43DA6034-C880-417E-E22C-BD7E181CB200}"/>
               </a:ext>
             </a:extLst>
           </p:cNvPr>
@@ -8162,14 +9008,328 @@
         </p:blipFill>
         <p:spPr>
           <a:xfrm>
-            <a:off x="4323348" y="1921107"/>
-            <a:ext cx="6884068" cy="4369338"/>
+            <a:off x="1205163" y="3899196"/>
+            <a:ext cx="4046621" cy="1094949"/>
           </a:xfrm>
           <a:prstGeom prst="rect">
             <a:avLst/>
           </a:prstGeom>
         </p:spPr>
       </p:pic>
+      <p:pic>
+        <p:nvPicPr>
+          <p:cNvPr id="9" name="Kép 9" descr="A képen szöveg látható&#10;&#10;Automatikusan generált leírás">
+            <a:extLst>
+              <a:ext uri="{FF2B5EF4-FFF2-40B4-BE49-F238E27FC236}">
+                <a16:creationId xmlns:a16="http://schemas.microsoft.com/office/drawing/2014/main" id="{5D5E7507-91F1-B32B-74ED-328C968E62C4}"/>
+              </a:ext>
+            </a:extLst>
+          </p:cNvPr>
+          <p:cNvPicPr>
+            <a:picLocks noChangeAspect="1"/>
+          </p:cNvPicPr>
+          <p:nvPr/>
+        </p:nvPicPr>
+        <p:blipFill>
+          <a:blip r:embed="rId6"/>
+          <a:stretch>
+            <a:fillRect/>
+          </a:stretch>
+        </p:blipFill>
+        <p:spPr>
+          <a:xfrm>
+            <a:off x="1205163" y="4988245"/>
+            <a:ext cx="5069304" cy="972248"/>
+          </a:xfrm>
+          <a:prstGeom prst="rect">
+            <a:avLst/>
+          </a:prstGeom>
+        </p:spPr>
+      </p:pic>
+      <p:sp>
+        <p:nvSpPr>
+          <p:cNvPr id="10" name="Szövegdoboz 9">
+            <a:extLst>
+              <a:ext uri="{FF2B5EF4-FFF2-40B4-BE49-F238E27FC236}">
+                <a16:creationId xmlns:a16="http://schemas.microsoft.com/office/drawing/2014/main" id="{F92C6FE3-DA57-DD3A-B782-90700CE6E5E5}"/>
+              </a:ext>
+            </a:extLst>
+          </p:cNvPr>
+          <p:cNvSpPr txBox="1"/>
+          <p:nvPr/>
+        </p:nvSpPr>
+        <p:spPr>
+          <a:xfrm>
+            <a:off x="1363578" y="3599447"/>
+            <a:ext cx="2967789" cy="369332"/>
+          </a:xfrm>
+          <a:prstGeom prst="rect">
+            <a:avLst/>
+          </a:prstGeom>
+          <a:noFill/>
+        </p:spPr>
+        <p:txBody>
+          <a:bodyPr rot="0" spcFirstLastPara="0" vertOverflow="overflow" horzOverflow="overflow" vert="horz" wrap="square" lIns="91440" tIns="45720" rIns="91440" bIns="45720" numCol="1" spcCol="0" rtlCol="0" fromWordArt="0" anchor="t" anchorCtr="0" forceAA="0" compatLnSpc="1">
+            <a:prstTxWarp prst="textNoShape">
+              <a:avLst/>
+            </a:prstTxWarp>
+            <a:spAutoFit/>
+          </a:bodyPr>
+          <a:lstStyle/>
+          <a:p>
+            <a:r>
+              <a:rPr lang="hu-HU" dirty="0"/>
+              <a:t>Standard </a:t>
+            </a:r>
+            <a:r>
+              <a:rPr lang="hu-HU" dirty="0" err="1"/>
+              <a:t>Scaler</a:t>
+            </a:r>
+            <a:r>
+              <a:rPr lang="hu-HU" dirty="0"/>
+              <a:t> + eredmény</a:t>
+            </a:r>
+          </a:p>
+        </p:txBody>
+      </p:sp>
+      <p:sp>
+        <p:nvSpPr>
+          <p:cNvPr id="11" name="Szövegdoboz 10">
+            <a:extLst>
+              <a:ext uri="{FF2B5EF4-FFF2-40B4-BE49-F238E27FC236}">
+                <a16:creationId xmlns:a16="http://schemas.microsoft.com/office/drawing/2014/main" id="{500550BB-A924-C8E8-9240-D393D8D7D16A}"/>
+              </a:ext>
+            </a:extLst>
+          </p:cNvPr>
+          <p:cNvSpPr txBox="1"/>
+          <p:nvPr/>
+        </p:nvSpPr>
+        <p:spPr>
+          <a:xfrm>
+            <a:off x="1323472" y="1894973"/>
+            <a:ext cx="2456447" cy="369332"/>
+          </a:xfrm>
+          <a:prstGeom prst="rect">
+            <a:avLst/>
+          </a:prstGeom>
+          <a:noFill/>
+        </p:spPr>
+        <p:txBody>
+          <a:bodyPr rot="0" spcFirstLastPara="0" vertOverflow="overflow" horzOverflow="overflow" vert="horz" wrap="square" lIns="91440" tIns="45720" rIns="91440" bIns="45720" numCol="1" spcCol="0" rtlCol="0" fromWordArt="0" anchor="t" anchorCtr="0" forceAA="0" compatLnSpc="1">
+            <a:prstTxWarp prst="textNoShape">
+              <a:avLst/>
+            </a:prstTxWarp>
+            <a:spAutoFit/>
+          </a:bodyPr>
+          <a:lstStyle/>
+          <a:p>
+            <a:r>
+              <a:rPr lang="hu-HU" dirty="0"/>
+              <a:t>Alap </a:t>
+            </a:r>
+            <a:r>
+              <a:rPr lang="hu-HU" dirty="0" err="1"/>
+              <a:t>model</a:t>
+            </a:r>
+          </a:p>
+        </p:txBody>
+      </p:sp>
+    </p:spTree>
+    <p:extLst>
+      <p:ext uri="{BB962C8B-B14F-4D97-AF65-F5344CB8AC3E}">
+        <p14:creationId xmlns:p14="http://schemas.microsoft.com/office/powerpoint/2010/main" val="2390218224"/>
+      </p:ext>
+    </p:extLst>
+  </p:cSld>
+  <p:clrMapOvr>
+    <a:masterClrMapping/>
+  </p:clrMapOvr>
+</p:sld>
+</file>
+
+<file path=ppt/slides/slide6.xml><?xml version="1.0" encoding="utf-8"?>
+<p:sld xmlns:a="http://schemas.openxmlformats.org/drawingml/2006/main" xmlns:r="http://schemas.openxmlformats.org/officeDocument/2006/relationships" xmlns:p="http://schemas.openxmlformats.org/presentationml/2006/main">
+  <p:cSld>
+    <p:spTree>
+      <p:nvGrpSpPr>
+        <p:cNvPr id="1" name=""/>
+        <p:cNvGrpSpPr/>
+        <p:nvPr/>
+      </p:nvGrpSpPr>
+      <p:grpSpPr>
+        <a:xfrm>
+          <a:off x="0" y="0"/>
+          <a:ext cx="0" cy="0"/>
+          <a:chOff x="0" y="0"/>
+          <a:chExt cx="0" cy="0"/>
+        </a:xfrm>
+      </p:grpSpPr>
+      <p:sp>
+        <p:nvSpPr>
+          <p:cNvPr id="2" name="Cím 1">
+            <a:extLst>
+              <a:ext uri="{FF2B5EF4-FFF2-40B4-BE49-F238E27FC236}">
+                <a16:creationId xmlns:a16="http://schemas.microsoft.com/office/drawing/2014/main" id="{3C3F1C39-CEC9-5835-A6B9-52E2B3022A46}"/>
+              </a:ext>
+            </a:extLst>
+          </p:cNvPr>
+          <p:cNvSpPr>
+            <a:spLocks noGrp="1"/>
+          </p:cNvSpPr>
+          <p:nvPr>
+            <p:ph type="title"/>
+          </p:nvPr>
+        </p:nvSpPr>
+        <p:spPr>
+          <a:xfrm>
+            <a:off x="1444206" y="-136358"/>
+            <a:ext cx="10018713" cy="1752599"/>
+          </a:xfrm>
+        </p:spPr>
+        <p:txBody>
+          <a:bodyPr/>
+          <a:lstStyle/>
+          <a:p>
+            <a:r>
+              <a:rPr lang="hu-HU" b="1" dirty="0"/>
+              <a:t>Valós teszt</a:t>
+            </a:r>
+          </a:p>
+        </p:txBody>
+      </p:sp>
+      <p:pic>
+        <p:nvPicPr>
+          <p:cNvPr id="7" name="Kép 7" descr="A képen asztal látható&#10;&#10;Automatikusan generált leírás">
+            <a:extLst>
+              <a:ext uri="{FF2B5EF4-FFF2-40B4-BE49-F238E27FC236}">
+                <a16:creationId xmlns:a16="http://schemas.microsoft.com/office/drawing/2014/main" id="{5701034F-7AE7-BF6F-291B-81CE55FE9994}"/>
+              </a:ext>
+            </a:extLst>
+          </p:cNvPr>
+          <p:cNvPicPr>
+            <a:picLocks noGrp="1" noChangeAspect="1"/>
+          </p:cNvPicPr>
+          <p:nvPr>
+            <p:ph idx="1"/>
+          </p:nvPr>
+        </p:nvPicPr>
+        <p:blipFill>
+          <a:blip r:embed="rId2"/>
+          <a:stretch>
+            <a:fillRect/>
+          </a:stretch>
+        </p:blipFill>
+        <p:spPr>
+          <a:xfrm>
+            <a:off x="3173823" y="1052762"/>
+            <a:ext cx="6328870" cy="5801227"/>
+          </a:xfrm>
+        </p:spPr>
+      </p:pic>
+    </p:spTree>
+    <p:extLst>
+      <p:ext uri="{BB962C8B-B14F-4D97-AF65-F5344CB8AC3E}">
+        <p14:creationId xmlns:p14="http://schemas.microsoft.com/office/powerpoint/2010/main" val="2713963562"/>
+      </p:ext>
+    </p:extLst>
+  </p:cSld>
+  <p:clrMapOvr>
+    <a:masterClrMapping/>
+  </p:clrMapOvr>
+</p:sld>
+</file>
+
+<file path=ppt/slides/slide7.xml><?xml version="1.0" encoding="utf-8"?>
+<p:sld xmlns:a="http://schemas.openxmlformats.org/drawingml/2006/main" xmlns:r="http://schemas.openxmlformats.org/officeDocument/2006/relationships" xmlns:p="http://schemas.openxmlformats.org/presentationml/2006/main">
+  <p:cSld>
+    <p:spTree>
+      <p:nvGrpSpPr>
+        <p:cNvPr id="1" name=""/>
+        <p:cNvGrpSpPr/>
+        <p:nvPr/>
+      </p:nvGrpSpPr>
+      <p:grpSpPr>
+        <a:xfrm>
+          <a:off x="0" y="0"/>
+          <a:ext cx="0" cy="0"/>
+          <a:chOff x="0" y="0"/>
+          <a:chExt cx="0" cy="0"/>
+        </a:xfrm>
+      </p:grpSpPr>
+      <p:sp>
+        <p:nvSpPr>
+          <p:cNvPr id="2" name="Cím 1">
+            <a:extLst>
+              <a:ext uri="{FF2B5EF4-FFF2-40B4-BE49-F238E27FC236}">
+                <a16:creationId xmlns:a16="http://schemas.microsoft.com/office/drawing/2014/main" id="{E60A7DA0-31AC-044A-7C41-C28ED61408DD}"/>
+              </a:ext>
+            </a:extLst>
+          </p:cNvPr>
+          <p:cNvSpPr>
+            <a:spLocks noGrp="1"/>
+          </p:cNvSpPr>
+          <p:nvPr>
+            <p:ph type="title"/>
+          </p:nvPr>
+        </p:nvSpPr>
+        <p:spPr>
+          <a:xfrm>
+            <a:off x="1755022" y="-316832"/>
+            <a:ext cx="10018713" cy="1752599"/>
+          </a:xfrm>
+        </p:spPr>
+        <p:txBody>
+          <a:bodyPr/>
+          <a:lstStyle/>
+          <a:p>
+            <a:r>
+              <a:rPr lang="hu-HU" b="1" dirty="0"/>
+              <a:t>Eredmények</a:t>
+            </a:r>
+          </a:p>
+        </p:txBody>
+      </p:sp>
+      <p:sp>
+        <p:nvSpPr>
+          <p:cNvPr id="3" name="Tartalom helye 2">
+            <a:extLst>
+              <a:ext uri="{FF2B5EF4-FFF2-40B4-BE49-F238E27FC236}">
+                <a16:creationId xmlns:a16="http://schemas.microsoft.com/office/drawing/2014/main" id="{FD1CBE03-499D-7247-FEB0-2A2CC69B9392}"/>
+              </a:ext>
+            </a:extLst>
+          </p:cNvPr>
+          <p:cNvSpPr>
+            <a:spLocks noGrp="1"/>
+          </p:cNvSpPr>
+          <p:nvPr>
+            <p:ph idx="1"/>
+          </p:nvPr>
+        </p:nvSpPr>
+        <p:spPr>
+          <a:xfrm>
+            <a:off x="1464257" y="882314"/>
+            <a:ext cx="10018713" cy="757991"/>
+          </a:xfrm>
+        </p:spPr>
+        <p:txBody>
+          <a:bodyPr/>
+          <a:lstStyle/>
+          <a:p>
+            <a:r>
+              <a:rPr lang="hu-HU" dirty="0"/>
+              <a:t>A </a:t>
+            </a:r>
+            <a:r>
+              <a:rPr lang="hu-HU" dirty="0" err="1"/>
+              <a:t>prediciók</a:t>
+            </a:r>
+            <a:r>
+              <a:rPr lang="hu-HU" dirty="0"/>
+              <a:t> eredményei nagyjából egy randomgenerátoréval egyenlőek.</a:t>
+            </a:r>
+          </a:p>
+        </p:txBody>
+      </p:sp>
       <p:sp>
         <p:nvSpPr>
           <p:cNvPr id="8" name="Szövegdoboz 7">
@@ -8184,8 +9344,8 @@
         </p:nvSpPr>
         <p:spPr>
           <a:xfrm>
-            <a:off x="1604210" y="1915026"/>
-            <a:ext cx="1864894" cy="369332"/>
+            <a:off x="1624804" y="1915026"/>
+            <a:ext cx="2070840" cy="369332"/>
           </a:xfrm>
           <a:prstGeom prst="rect">
             <a:avLst/>
@@ -8202,17 +9362,16 @@
           <a:lstStyle/>
           <a:p>
             <a:r>
-              <a:rPr lang="hu-HU" dirty="0" err="1"/>
-              <a:t>Linear</a:t>
-            </a:r>
-            <a:r>
-              <a:rPr lang="hu-HU" dirty="0"/>
-              <a:t> </a:t>
-            </a:r>
-            <a:r>
-              <a:rPr lang="hu-HU" dirty="0" err="1"/>
-              <a:t>regression</a:t>
-            </a:r>
+              <a:rPr lang="hu-HU" dirty="0" err="1">
+                <a:solidFill>
+                  <a:srgbClr val="000000"/>
+                </a:solidFill>
+                <a:ea typeface="+mn-lt"/>
+                <a:cs typeface="+mn-lt"/>
+              </a:rPr>
+              <a:t>LogisticRegression</a:t>
+            </a:r>
+            <a:endParaRPr lang="hu-HU" dirty="0" err="1"/>
           </a:p>
         </p:txBody>
       </p:sp>
@@ -8231,7 +9390,7 @@
         <p:spPr>
           <a:xfrm>
             <a:off x="1624263" y="2506579"/>
-            <a:ext cx="1985210" cy="646331"/>
+            <a:ext cx="1985210" cy="369332"/>
           </a:xfrm>
           <a:prstGeom prst="rect">
             <a:avLst/>
@@ -8248,33 +9407,16 @@
           <a:lstStyle/>
           <a:p>
             <a:r>
-              <a:rPr lang="hu-HU" dirty="0" err="1"/>
-              <a:t>Linear</a:t>
-            </a:r>
-            <a:r>
-              <a:rPr lang="hu-HU" dirty="0"/>
-              <a:t> </a:t>
-            </a:r>
-            <a:r>
-              <a:rPr lang="hu-HU" dirty="0" err="1"/>
-              <a:t>regression</a:t>
-            </a:r>
-            <a:r>
-              <a:rPr lang="hu-HU" dirty="0"/>
-              <a:t> </a:t>
-            </a:r>
-            <a:r>
-              <a:rPr lang="hu-HU" dirty="0" err="1"/>
-              <a:t>with</a:t>
-            </a:r>
-            <a:r>
-              <a:rPr lang="hu-HU" dirty="0"/>
-              <a:t> </a:t>
-            </a:r>
-            <a:r>
-              <a:rPr lang="hu-HU" dirty="0" err="1"/>
-              <a:t>features</a:t>
-            </a:r>
+              <a:rPr lang="hu-HU" dirty="0" err="1">
+                <a:solidFill>
+                  <a:srgbClr val="000000"/>
+                </a:solidFill>
+                <a:ea typeface="+mn-lt"/>
+                <a:cs typeface="+mn-lt"/>
+              </a:rPr>
+              <a:t>SGDClassifier</a:t>
+            </a:r>
+            <a:endParaRPr lang="hu-HU" dirty="0" err="1"/>
           </a:p>
         </p:txBody>
       </p:sp>
@@ -8293,7 +9435,7 @@
         <p:spPr>
           <a:xfrm>
             <a:off x="1624262" y="3338762"/>
-            <a:ext cx="2075447" cy="646331"/>
+            <a:ext cx="2446149" cy="369332"/>
           </a:xfrm>
           <a:prstGeom prst="rect">
             <a:avLst/>
@@ -8310,17 +9452,16 @@
           <a:lstStyle/>
           <a:p>
             <a:r>
-              <a:rPr lang="hu-HU" dirty="0" err="1"/>
-              <a:t>Polynomial</a:t>
-            </a:r>
-            <a:r>
-              <a:rPr lang="hu-HU" dirty="0"/>
-              <a:t> </a:t>
-            </a:r>
-            <a:r>
-              <a:rPr lang="hu-HU" dirty="0" err="1"/>
-              <a:t>regression</a:t>
-            </a:r>
+              <a:rPr lang="hu-HU" dirty="0" err="1">
+                <a:solidFill>
+                  <a:srgbClr val="000000"/>
+                </a:solidFill>
+                <a:ea typeface="+mn-lt"/>
+                <a:cs typeface="+mn-lt"/>
+              </a:rPr>
+              <a:t>KNeighborsClassifier</a:t>
+            </a:r>
+            <a:endParaRPr lang="hu-HU" dirty="0" err="1"/>
           </a:p>
         </p:txBody>
       </p:sp>
@@ -8339,7 +9480,7 @@
         <p:spPr>
           <a:xfrm>
             <a:off x="1674394" y="4321342"/>
-            <a:ext cx="1884947" cy="923330"/>
+            <a:ext cx="1452461" cy="369332"/>
           </a:xfrm>
           <a:prstGeom prst="rect">
             <a:avLst/>
@@ -8356,36 +9497,291 @@
           <a:lstStyle/>
           <a:p>
             <a:r>
-              <a:rPr lang="hu-HU" dirty="0" err="1"/>
-              <a:t>Polynomial</a:t>
-            </a:r>
-            <a:r>
-              <a:rPr lang="hu-HU" dirty="0"/>
-              <a:t> </a:t>
-            </a:r>
-            <a:r>
-              <a:rPr lang="hu-HU" dirty="0" err="1"/>
-              <a:t>regression</a:t>
-            </a:r>
-            <a:r>
-              <a:rPr lang="hu-HU" dirty="0"/>
-              <a:t> </a:t>
-            </a:r>
-            <a:r>
-              <a:rPr lang="hu-HU" dirty="0" err="1"/>
-              <a:t>with</a:t>
-            </a:r>
-            <a:r>
-              <a:rPr lang="hu-HU" dirty="0"/>
-              <a:t> </a:t>
-            </a:r>
-            <a:r>
-              <a:rPr lang="hu-HU" dirty="0" err="1"/>
-              <a:t>features</a:t>
-            </a:r>
-          </a:p>
-        </p:txBody>
-      </p:sp>
+              <a:rPr lang="hu-HU" dirty="0" err="1">
+                <a:solidFill>
+                  <a:srgbClr val="000000"/>
+                </a:solidFill>
+                <a:ea typeface="+mn-lt"/>
+                <a:cs typeface="+mn-lt"/>
+              </a:rPr>
+              <a:t>GaussianNB</a:t>
+            </a:r>
+            <a:endParaRPr lang="hu-HU" dirty="0" err="1"/>
+          </a:p>
+        </p:txBody>
+      </p:sp>
+      <p:sp>
+        <p:nvSpPr>
+          <p:cNvPr id="12" name="Szövegdoboz 11">
+            <a:extLst>
+              <a:ext uri="{FF2B5EF4-FFF2-40B4-BE49-F238E27FC236}">
+                <a16:creationId xmlns:a16="http://schemas.microsoft.com/office/drawing/2014/main" id="{B1B36A2B-10FF-4A35-5EC5-EA1EDBBFE2D2}"/>
+              </a:ext>
+            </a:extLst>
+          </p:cNvPr>
+          <p:cNvSpPr txBox="1"/>
+          <p:nvPr/>
+        </p:nvSpPr>
+        <p:spPr>
+          <a:xfrm>
+            <a:off x="1678459" y="4922108"/>
+            <a:ext cx="2564026" cy="369332"/>
+          </a:xfrm>
+          <a:prstGeom prst="rect">
+            <a:avLst/>
+          </a:prstGeom>
+          <a:noFill/>
+        </p:spPr>
+        <p:txBody>
+          <a:bodyPr rot="0" spcFirstLastPara="0" vertOverflow="overflow" horzOverflow="overflow" vert="horz" wrap="square" lIns="91440" tIns="45720" rIns="91440" bIns="45720" numCol="1" spcCol="0" rtlCol="0" fromWordArt="0" anchor="t" anchorCtr="0" forceAA="0" compatLnSpc="1">
+            <a:prstTxWarp prst="textNoShape">
+              <a:avLst/>
+            </a:prstTxWarp>
+            <a:spAutoFit/>
+          </a:bodyPr>
+          <a:lstStyle/>
+          <a:p>
+            <a:pPr algn="l"/>
+            <a:r>
+              <a:rPr lang="hu-HU" dirty="0" err="1">
+                <a:solidFill>
+                  <a:srgbClr val="000000"/>
+                </a:solidFill>
+                <a:ea typeface="+mn-lt"/>
+                <a:cs typeface="+mn-lt"/>
+              </a:rPr>
+              <a:t>RandomForestClassifier</a:t>
+            </a:r>
+            <a:endParaRPr lang="hu-HU" dirty="0" err="1"/>
+          </a:p>
+        </p:txBody>
+      </p:sp>
+      <p:sp>
+        <p:nvSpPr>
+          <p:cNvPr id="13" name="Szövegdoboz 12">
+            <a:extLst>
+              <a:ext uri="{FF2B5EF4-FFF2-40B4-BE49-F238E27FC236}">
+                <a16:creationId xmlns:a16="http://schemas.microsoft.com/office/drawing/2014/main" id="{9D5D466A-D908-848E-80F6-1061512E2952}"/>
+              </a:ext>
+            </a:extLst>
+          </p:cNvPr>
+          <p:cNvSpPr txBox="1"/>
+          <p:nvPr/>
+        </p:nvSpPr>
+        <p:spPr>
+          <a:xfrm>
+            <a:off x="1750540" y="5653215"/>
+            <a:ext cx="2378676" cy="369332"/>
+          </a:xfrm>
+          <a:prstGeom prst="rect">
+            <a:avLst/>
+          </a:prstGeom>
+          <a:noFill/>
+        </p:spPr>
+        <p:txBody>
+          <a:bodyPr rot="0" spcFirstLastPara="0" vertOverflow="overflow" horzOverflow="overflow" vert="horz" wrap="square" lIns="91440" tIns="45720" rIns="91440" bIns="45720" numCol="1" spcCol="0" rtlCol="0" fromWordArt="0" anchor="t" anchorCtr="0" forceAA="0" compatLnSpc="1">
+            <a:prstTxWarp prst="textNoShape">
+              <a:avLst/>
+            </a:prstTxWarp>
+            <a:spAutoFit/>
+          </a:bodyPr>
+          <a:lstStyle/>
+          <a:p>
+            <a:pPr algn="l"/>
+            <a:r>
+              <a:rPr lang="hu-HU" dirty="0" err="1">
+                <a:solidFill>
+                  <a:srgbClr val="000000"/>
+                </a:solidFill>
+                <a:ea typeface="+mn-lt"/>
+                <a:cs typeface="+mn-lt"/>
+              </a:rPr>
+              <a:t>DecisionTreeClassifier</a:t>
+            </a:r>
+            <a:endParaRPr lang="hu-HU" dirty="0" err="1"/>
+          </a:p>
+        </p:txBody>
+      </p:sp>
+      <p:pic>
+        <p:nvPicPr>
+          <p:cNvPr id="14" name="Kép 14" descr="A képen szöveg látható&#10;&#10;Automatikusan generált leírás">
+            <a:extLst>
+              <a:ext uri="{FF2B5EF4-FFF2-40B4-BE49-F238E27FC236}">
+                <a16:creationId xmlns:a16="http://schemas.microsoft.com/office/drawing/2014/main" id="{7F50EC61-4B28-A80C-3EB9-991A59A5060B}"/>
+              </a:ext>
+            </a:extLst>
+          </p:cNvPr>
+          <p:cNvPicPr>
+            <a:picLocks noChangeAspect="1"/>
+          </p:cNvPicPr>
+          <p:nvPr/>
+        </p:nvPicPr>
+        <p:blipFill>
+          <a:blip r:embed="rId2"/>
+          <a:stretch>
+            <a:fillRect/>
+          </a:stretch>
+        </p:blipFill>
+        <p:spPr>
+          <a:xfrm>
+            <a:off x="4393532" y="1709981"/>
+            <a:ext cx="5951621" cy="670774"/>
+          </a:xfrm>
+          <a:prstGeom prst="rect">
+            <a:avLst/>
+          </a:prstGeom>
+        </p:spPr>
+      </p:pic>
+      <p:pic>
+        <p:nvPicPr>
+          <p:cNvPr id="15" name="Kép 15" descr="A képen szöveg látható&#10;&#10;Automatikusan generált leírás">
+            <a:extLst>
+              <a:ext uri="{FF2B5EF4-FFF2-40B4-BE49-F238E27FC236}">
+                <a16:creationId xmlns:a16="http://schemas.microsoft.com/office/drawing/2014/main" id="{F3FE6193-51A9-BB09-B962-9CD83C671DF6}"/>
+              </a:ext>
+            </a:extLst>
+          </p:cNvPr>
+          <p:cNvPicPr>
+            <a:picLocks noChangeAspect="1"/>
+          </p:cNvPicPr>
+          <p:nvPr/>
+        </p:nvPicPr>
+        <p:blipFill>
+          <a:blip r:embed="rId3"/>
+          <a:stretch>
+            <a:fillRect/>
+          </a:stretch>
+        </p:blipFill>
+        <p:spPr>
+          <a:xfrm>
+            <a:off x="4393531" y="2439865"/>
+            <a:ext cx="5570621" cy="714954"/>
+          </a:xfrm>
+          <a:prstGeom prst="rect">
+            <a:avLst/>
+          </a:prstGeom>
+        </p:spPr>
+      </p:pic>
+      <p:pic>
+        <p:nvPicPr>
+          <p:cNvPr id="16" name="Kép 16" descr="A képen szöveg látható&#10;&#10;Automatikusan generált leírás">
+            <a:extLst>
+              <a:ext uri="{FF2B5EF4-FFF2-40B4-BE49-F238E27FC236}">
+                <a16:creationId xmlns:a16="http://schemas.microsoft.com/office/drawing/2014/main" id="{80D0735C-90EA-1B0A-2E43-5FB83FED63B4}"/>
+              </a:ext>
+            </a:extLst>
+          </p:cNvPr>
+          <p:cNvPicPr>
+            <a:picLocks noChangeAspect="1"/>
+          </p:cNvPicPr>
+          <p:nvPr/>
+        </p:nvPicPr>
+        <p:blipFill>
+          <a:blip r:embed="rId4"/>
+          <a:stretch>
+            <a:fillRect/>
+          </a:stretch>
+        </p:blipFill>
+        <p:spPr>
+          <a:xfrm>
+            <a:off x="4393532" y="3334607"/>
+            <a:ext cx="5570621" cy="700126"/>
+          </a:xfrm>
+          <a:prstGeom prst="rect">
+            <a:avLst/>
+          </a:prstGeom>
+        </p:spPr>
+      </p:pic>
+      <p:pic>
+        <p:nvPicPr>
+          <p:cNvPr id="17" name="Kép 17" descr="A képen szöveg látható&#10;&#10;Automatikusan generált leírás">
+            <a:extLst>
+              <a:ext uri="{FF2B5EF4-FFF2-40B4-BE49-F238E27FC236}">
+                <a16:creationId xmlns:a16="http://schemas.microsoft.com/office/drawing/2014/main" id="{BBC2F6F6-3AB7-5727-B225-4E9D481DD8E4}"/>
+              </a:ext>
+            </a:extLst>
+          </p:cNvPr>
+          <p:cNvPicPr>
+            <a:picLocks noChangeAspect="1"/>
+          </p:cNvPicPr>
+          <p:nvPr/>
+        </p:nvPicPr>
+        <p:blipFill>
+          <a:blip r:embed="rId5"/>
+          <a:stretch>
+            <a:fillRect/>
+          </a:stretch>
+        </p:blipFill>
+        <p:spPr>
+          <a:xfrm>
+            <a:off x="4393532" y="4158805"/>
+            <a:ext cx="5741067" cy="766232"/>
+          </a:xfrm>
+          <a:prstGeom prst="rect">
+            <a:avLst/>
+          </a:prstGeom>
+        </p:spPr>
+      </p:pic>
+      <p:pic>
+        <p:nvPicPr>
+          <p:cNvPr id="18" name="Kép 18" descr="A képen szöveg látható&#10;&#10;Automatikusan generált leírás">
+            <a:extLst>
+              <a:ext uri="{FF2B5EF4-FFF2-40B4-BE49-F238E27FC236}">
+                <a16:creationId xmlns:a16="http://schemas.microsoft.com/office/drawing/2014/main" id="{2F7CF550-7F8B-C8A9-5CD1-D79DB21B1470}"/>
+              </a:ext>
+            </a:extLst>
+          </p:cNvPr>
+          <p:cNvPicPr>
+            <a:picLocks noChangeAspect="1"/>
+          </p:cNvPicPr>
+          <p:nvPr/>
+        </p:nvPicPr>
+        <p:blipFill>
+          <a:blip r:embed="rId6"/>
+          <a:stretch>
+            <a:fillRect/>
+          </a:stretch>
+        </p:blipFill>
+        <p:spPr>
+          <a:xfrm>
+            <a:off x="4393532" y="4921977"/>
+            <a:ext cx="5921542" cy="693702"/>
+          </a:xfrm>
+          <a:prstGeom prst="rect">
+            <a:avLst/>
+          </a:prstGeom>
+        </p:spPr>
+      </p:pic>
+      <p:pic>
+        <p:nvPicPr>
+          <p:cNvPr id="19" name="Kép 19" descr="A képen szöveg látható&#10;&#10;Automatikusan generált leírás">
+            <a:extLst>
+              <a:ext uri="{FF2B5EF4-FFF2-40B4-BE49-F238E27FC236}">
+                <a16:creationId xmlns:a16="http://schemas.microsoft.com/office/drawing/2014/main" id="{F5034CC5-037B-22DE-1FB7-185EA9F018C9}"/>
+              </a:ext>
+            </a:extLst>
+          </p:cNvPr>
+          <p:cNvPicPr>
+            <a:picLocks noChangeAspect="1"/>
+          </p:cNvPicPr>
+          <p:nvPr/>
+        </p:nvPicPr>
+        <p:blipFill>
+          <a:blip r:embed="rId7"/>
+          <a:stretch>
+            <a:fillRect/>
+          </a:stretch>
+        </p:blipFill>
+        <p:spPr>
+          <a:xfrm>
+            <a:off x="4393532" y="5654694"/>
+            <a:ext cx="5871410" cy="762296"/>
+          </a:xfrm>
+          <a:prstGeom prst="rect">
+            <a:avLst/>
+          </a:prstGeom>
+        </p:spPr>
+      </p:pic>
     </p:spTree>
     <p:extLst>
       <p:ext uri="{BB962C8B-B14F-4D97-AF65-F5344CB8AC3E}">
@@ -8443,21 +9839,39 @@
                                   </p:childTnLst>
                                 </p:cTn>
                               </p:par>
+                            </p:childTnLst>
+                          </p:cTn>
+                        </p:par>
+                      </p:childTnLst>
+                    </p:cTn>
+                  </p:par>
+                  <p:par>
+                    <p:cTn id="7" fill="hold">
+                      <p:stCondLst>
+                        <p:cond delay="indefinite"/>
+                      </p:stCondLst>
+                      <p:childTnLst>
+                        <p:par>
+                          <p:cTn id="8" fill="hold">
+                            <p:stCondLst>
+                              <p:cond delay="0"/>
+                            </p:stCondLst>
+                            <p:childTnLst>
                               <p:par>
-                                <p:cTn id="7" presetID="1" presetClass="entr" presetSubtype="0" fill="hold" nodeType="withEffect">
+                                <p:cTn id="9" presetID="1" presetClass="entr" presetSubtype="0" fill="hold" grpId="0" nodeType="clickEffect">
                                   <p:stCondLst>
                                     <p:cond delay="0"/>
                                   </p:stCondLst>
                                   <p:childTnLst>
                                     <p:set>
                                       <p:cBhvr>
-                                        <p:cTn id="8" dur="1" fill="hold">
+                                        <p:cTn id="10" dur="1" fill="hold">
                                           <p:stCondLst>
                                             <p:cond delay="0"/>
                                           </p:stCondLst>
                                         </p:cTn>
                                         <p:tgtEl>
-                                          <p:spTgt spid="4"/>
+                                          <p:spTgt spid="9"/>
                                         </p:tgtEl>
                                         <p:attrNameLst>
                                           <p:attrName>style.visibility</p:attrName>
@@ -8477,46 +9891,19 @@
                     </p:cTn>
                   </p:par>
                   <p:par>
-                    <p:cTn id="9" fill="hold">
+                    <p:cTn id="11" fill="hold">
                       <p:stCondLst>
                         <p:cond delay="indefinite"/>
                       </p:stCondLst>
                       <p:childTnLst>
                         <p:par>
-                          <p:cTn id="10" fill="hold">
+                          <p:cTn id="12" fill="hold">
                             <p:stCondLst>
                               <p:cond delay="0"/>
                             </p:stCondLst>
                             <p:childTnLst>
                               <p:par>
-                                <p:cTn id="11" presetID="1" presetClass="entr" presetSubtype="0" fill="hold" grpId="0" nodeType="clickEffect">
-                                  <p:stCondLst>
-                                    <p:cond delay="0"/>
-                                  </p:stCondLst>
-                                  <p:childTnLst>
-                                    <p:set>
-                                      <p:cBhvr>
-                                        <p:cTn id="12" dur="1" fill="hold">
-                                          <p:stCondLst>
-                                            <p:cond delay="0"/>
-                                          </p:stCondLst>
-                                        </p:cTn>
-                                        <p:tgtEl>
-                                          <p:spTgt spid="9"/>
-                                        </p:tgtEl>
-                                        <p:attrNameLst>
-                                          <p:attrName>style.visibility</p:attrName>
-                                        </p:attrNameLst>
-                                      </p:cBhvr>
-                                      <p:to>
-                                        <p:strVal val="visible"/>
-                                      </p:to>
-                                    </p:set>
-                                  </p:childTnLst>
-                                </p:cTn>
-                              </p:par>
-                              <p:par>
-                                <p:cTn id="13" presetID="1" presetClass="entr" presetSubtype="0" fill="hold" nodeType="withEffect">
+                                <p:cTn id="13" presetID="1" presetClass="entr" presetSubtype="0" fill="hold" grpId="0" nodeType="clickEffect">
                                   <p:stCondLst>
                                     <p:cond delay="0"/>
                                   </p:stCondLst>
@@ -8529,7 +9916,7 @@
                                           </p:stCondLst>
                                         </p:cTn>
                                         <p:tgtEl>
-                                          <p:spTgt spid="5"/>
+                                          <p:spTgt spid="10"/>
                                         </p:tgtEl>
                                         <p:attrNameLst>
                                           <p:attrName>style.visibility</p:attrName>
@@ -8574,106 +9961,7 @@
                                           </p:stCondLst>
                                         </p:cTn>
                                         <p:tgtEl>
-                                          <p:spTgt spid="10"/>
-                                        </p:tgtEl>
-                                        <p:attrNameLst>
-                                          <p:attrName>style.visibility</p:attrName>
-                                        </p:attrNameLst>
-                                      </p:cBhvr>
-                                      <p:to>
-                                        <p:strVal val="visible"/>
-                                      </p:to>
-                                    </p:set>
-                                  </p:childTnLst>
-                                </p:cTn>
-                              </p:par>
-                              <p:par>
-                                <p:cTn id="19" presetID="1" presetClass="entr" presetSubtype="0" fill="hold" nodeType="withEffect">
-                                  <p:stCondLst>
-                                    <p:cond delay="0"/>
-                                  </p:stCondLst>
-                                  <p:childTnLst>
-                                    <p:set>
-                                      <p:cBhvr>
-                                        <p:cTn id="20" dur="1" fill="hold">
-                                          <p:stCondLst>
-                                            <p:cond delay="0"/>
-                                          </p:stCondLst>
-                                        </p:cTn>
-                                        <p:tgtEl>
-                                          <p:spTgt spid="6"/>
-                                        </p:tgtEl>
-                                        <p:attrNameLst>
-                                          <p:attrName>style.visibility</p:attrName>
-                                        </p:attrNameLst>
-                                      </p:cBhvr>
-                                      <p:to>
-                                        <p:strVal val="visible"/>
-                                      </p:to>
-                                    </p:set>
-                                  </p:childTnLst>
-                                </p:cTn>
-                              </p:par>
-                            </p:childTnLst>
-                          </p:cTn>
-                        </p:par>
-                      </p:childTnLst>
-                    </p:cTn>
-                  </p:par>
-                  <p:par>
-                    <p:cTn id="21" fill="hold">
-                      <p:stCondLst>
-                        <p:cond delay="indefinite"/>
-                      </p:stCondLst>
-                      <p:childTnLst>
-                        <p:par>
-                          <p:cTn id="22" fill="hold">
-                            <p:stCondLst>
-                              <p:cond delay="0"/>
-                            </p:stCondLst>
-                            <p:childTnLst>
-                              <p:par>
-                                <p:cTn id="23" presetID="1" presetClass="entr" presetSubtype="0" fill="hold" grpId="0" nodeType="clickEffect">
-                                  <p:stCondLst>
-                                    <p:cond delay="0"/>
-                                  </p:stCondLst>
-                                  <p:childTnLst>
-                                    <p:set>
-                                      <p:cBhvr>
-                                        <p:cTn id="24" dur="1" fill="hold">
-                                          <p:stCondLst>
-                                            <p:cond delay="0"/>
-                                          </p:stCondLst>
-                                        </p:cTn>
-                                        <p:tgtEl>
                                           <p:spTgt spid="11"/>
-                                        </p:tgtEl>
-                                        <p:attrNameLst>
-                                          <p:attrName>style.visibility</p:attrName>
-                                        </p:attrNameLst>
-                                      </p:cBhvr>
-                                      <p:to>
-                                        <p:strVal val="visible"/>
-                                      </p:to>
-                                    </p:set>
-                                  </p:childTnLst>
-                                </p:cTn>
-                              </p:par>
-                              <p:par>
-                                <p:cTn id="25" presetID="1" presetClass="entr" presetSubtype="0" fill="hold" nodeType="withEffect">
-                                  <p:stCondLst>
-                                    <p:cond delay="0"/>
-                                  </p:stCondLst>
-                                  <p:childTnLst>
-                                    <p:set>
-                                      <p:cBhvr>
-                                        <p:cTn id="26" dur="1" fill="hold">
-                                          <p:stCondLst>
-                                            <p:cond delay="0"/>
-                                          </p:stCondLst>
-                                        </p:cTn>
-                                        <p:tgtEl>
-                                          <p:spTgt spid="7"/>
                                         </p:tgtEl>
                                         <p:attrNameLst>
                                           <p:attrName>style.visibility</p:attrName>
@@ -8723,7 +10011,7 @@
 </p:sld>
 </file>
 
-<file path=ppt/slides/slide5.xml><?xml version="1.0" encoding="utf-8"?>
+<file path=ppt/slides/slide8.xml><?xml version="1.0" encoding="utf-8"?>
 <p:sld xmlns:a="http://schemas.openxmlformats.org/drawingml/2006/main" xmlns:r="http://schemas.openxmlformats.org/officeDocument/2006/relationships" xmlns:p="http://schemas.openxmlformats.org/presentationml/2006/main">
   <p:cSld>
     <p:spTree>
@@ -8923,6 +10211,13 @@
                 </a:solidFill>
                 <a:latin typeface="Aharoni"/>
                 <a:cs typeface="Calibri"/>
+                <a:hlinkClick r:id="rId2">
+                  <a:extLst>
+                    <a:ext uri="{A12FA001-AC4F-418D-AE19-62706E023703}">
+                      <ahyp:hlinkClr xmlns:ahyp="http://schemas.microsoft.com/office/drawing/2018/hyperlinkcolor" val="tx"/>
+                    </a:ext>
+                  </a:extLst>
+                </a:hlinkClick>
               </a:rPr>
               <a:t>TEMPORARILY</a:t>
             </a:r>
@@ -8956,6 +10251,11 @@
             <a:avLst/>
           </a:prstGeom>
           <a:noFill/>
+          <a:ln>
+            <a:solidFill>
+              <a:schemeClr val="tx1"/>
+            </a:solidFill>
+          </a:ln>
         </p:spPr>
         <p:txBody>
           <a:bodyPr rot="0" spcFirstLastPara="0" vertOverflow="overflow" horzOverflow="overflow" vert="horz" wrap="square" lIns="91440" tIns="45720" rIns="91440" bIns="45720" numCol="1" spcCol="0" rtlCol="0" fromWordArt="0" anchor="t" anchorCtr="0" forceAA="0" compatLnSpc="1">
@@ -8971,6 +10271,7 @@
               <a:rPr lang="hu-HU" sz="9600" b="1" dirty="0">
                 <a:latin typeface="Aharoni"/>
                 <a:cs typeface="Calibri"/>
+                <a:hlinkClick r:id="rId2"/>
               </a:rPr>
               <a:t>OUT OF</a:t>
             </a:r>
@@ -8984,6 +10285,7 @@
               <a:rPr lang="hu-HU" sz="9600" b="1" dirty="0">
                 <a:latin typeface="Aharoni"/>
                 <a:cs typeface="Calibri"/>
+                <a:hlinkClick r:id="rId2"/>
               </a:rPr>
               <a:t>ORDER</a:t>
             </a:r>
@@ -9003,7 +10305,7 @@
 </p:sld>
 </file>
 
-<file path=ppt/slides/slide6.xml><?xml version="1.0" encoding="utf-8"?>
+<file path=ppt/slides/slide9.xml><?xml version="1.0" encoding="utf-8"?>
 <p:sld xmlns:a="http://schemas.openxmlformats.org/drawingml/2006/main" xmlns:r="http://schemas.openxmlformats.org/officeDocument/2006/relationships" xmlns:p="http://schemas.openxmlformats.org/presentationml/2006/main">
   <p:cSld>
     <p:spTree>
@@ -9070,7 +10372,7 @@
         <p:spPr/>
         <p:txBody>
           <a:bodyPr>
-            <a:normAutofit lnSpcReduction="10000"/>
+            <a:normAutofit fontScale="77500" lnSpcReduction="20000"/>
           </a:bodyPr>
           <a:lstStyle/>
           <a:p>
@@ -9186,6 +10488,55 @@
               </a:rPr>
               <a:t> </a:t>
             </a:r>
+          </a:p>
+          <a:p>
+            <a:pPr>
+              <a:buClr>
+                <a:srgbClr val="1287C3"/>
+              </a:buClr>
+            </a:pPr>
+            <a:r>
+              <a:rPr lang="hu-HU" sz="2600" dirty="0">
+                <a:ea typeface="+mn-lt"/>
+                <a:cs typeface="+mn-lt"/>
+                <a:hlinkClick r:id="rId7"/>
+              </a:rPr>
+              <a:t>https://www.kaggle.com/code/anandaramg/f1-champ-eda-classification-100-accuracy/comments</a:t>
+            </a:r>
+            <a:endParaRPr lang="hu-HU" sz="2600" dirty="0">
+              <a:latin typeface="Calibri"/>
+              <a:cs typeface="Calibri"/>
+            </a:endParaRPr>
+          </a:p>
+          <a:p>
+            <a:pPr>
+              <a:buClr>
+                <a:srgbClr val="1287C3"/>
+              </a:buClr>
+            </a:pPr>
+            <a:r>
+              <a:rPr lang="hu-HU" sz="2600" dirty="0">
+                <a:ea typeface="+mn-lt"/>
+                <a:cs typeface="+mn-lt"/>
+                <a:hlinkClick r:id="rId8"/>
+              </a:rPr>
+              <a:t>https://machinelearningmastery.com/overfitting-machine-learning-models/</a:t>
+            </a:r>
+            <a:endParaRPr lang="hu-HU" sz="2600" dirty="0">
+              <a:latin typeface="Corbel"/>
+              <a:cs typeface="Calibri"/>
+            </a:endParaRPr>
+          </a:p>
+          <a:p>
+            <a:pPr>
+              <a:buClr>
+                <a:srgbClr val="1287C3"/>
+              </a:buClr>
+            </a:pPr>
+            <a:endParaRPr lang="hu-HU" sz="2600" dirty="0">
+              <a:latin typeface="Corbel"/>
+              <a:cs typeface="Calibri"/>
+            </a:endParaRPr>
           </a:p>
           <a:p>
             <a:pPr>

--- a/F1_driver_standings_predictor.pptx
+++ b/F1_driver_standings_predictor.pptx
@@ -7,13 +7,12 @@
   <p:sldIdLst>
     <p:sldId id="256" r:id="rId2"/>
     <p:sldId id="257" r:id="rId3"/>
-    <p:sldId id="260" r:id="rId4"/>
-    <p:sldId id="262" r:id="rId5"/>
-    <p:sldId id="263" r:id="rId6"/>
-    <p:sldId id="264" r:id="rId7"/>
-    <p:sldId id="261" r:id="rId8"/>
-    <p:sldId id="259" r:id="rId9"/>
-    <p:sldId id="258" r:id="rId10"/>
+    <p:sldId id="262" r:id="rId4"/>
+    <p:sldId id="263" r:id="rId5"/>
+    <p:sldId id="264" r:id="rId6"/>
+    <p:sldId id="261" r:id="rId7"/>
+    <p:sldId id="259" r:id="rId8"/>
+    <p:sldId id="258" r:id="rId9"/>
   </p:sldIdLst>
   <p:sldSz cx="12192000" cy="6858000"/>
   <p:notesSz cx="6858000" cy="9144000"/>
@@ -123,7 +122,7 @@
 <file path=ppt/revisionInfo.xml><?xml version="1.0" encoding="utf-8"?>
 <p1510:revInfo xmlns:a="http://schemas.openxmlformats.org/drawingml/2006/main" xmlns:r="http://schemas.openxmlformats.org/officeDocument/2006/relationships" xmlns:p1510="http://schemas.microsoft.com/office/powerpoint/2015/10/main">
   <p1510:revLst>
-    <p1510:client id="{3CB0FE1A-4436-B3A2-EB38-110951C75BC1}" v="374" dt="2023-06-07T10:58:32.155"/>
+    <p1510:client id="{3CB0FE1A-4436-B3A2-EB38-110951C75BC1}" v="375" dt="2023-06-07T11:06:08.169"/>
     <p1510:client id="{9355CE9E-194A-DD48-0E0E-66152D2571B3}" v="200" dt="2023-05-31T11:07:47.638"/>
     <p1510:client id="{D87D98F3-8081-4ED7-886D-A52D1C1E23A0}" v="323" dt="2023-05-31T10:54:11.039"/>
   </p1510:revLst>
@@ -818,8 +817,8 @@
   </pc:docChgLst>
   <pc:docChgLst>
     <pc:chgData name="Sipos Dávid" userId="S::david.sipos@stud.uni-obuda.hu::33a32994-da80-4891-9b23-6e12fa1b238b" providerId="AD" clId="Web-{3CB0FE1A-4436-B3A2-EB38-110951C75BC1}"/>
-    <pc:docChg chg="addSld modSld">
-      <pc:chgData name="Sipos Dávid" userId="S::david.sipos@stud.uni-obuda.hu::33a32994-da80-4891-9b23-6e12fa1b238b" providerId="AD" clId="Web-{3CB0FE1A-4436-B3A2-EB38-110951C75BC1}" dt="2023-06-07T10:58:32.155" v="303" actId="20577"/>
+    <pc:docChg chg="addSld delSld modSld">
+      <pc:chgData name="Sipos Dávid" userId="S::david.sipos@stud.uni-obuda.hu::33a32994-da80-4891-9b23-6e12fa1b238b" providerId="AD" clId="Web-{3CB0FE1A-4436-B3A2-EB38-110951C75BC1}" dt="2023-06-07T11:06:08.169" v="304"/>
       <pc:docMkLst>
         <pc:docMk/>
       </pc:docMkLst>
@@ -868,6 +867,13 @@
             <ac:spMk id="6" creationId="{8E2CC2AC-F306-8B3C-AC41-786659836675}"/>
           </ac:spMkLst>
         </pc:spChg>
+      </pc:sldChg>
+      <pc:sldChg chg="del">
+        <pc:chgData name="Sipos Dávid" userId="S::david.sipos@stud.uni-obuda.hu::33a32994-da80-4891-9b23-6e12fa1b238b" providerId="AD" clId="Web-{3CB0FE1A-4436-B3A2-EB38-110951C75BC1}" dt="2023-06-07T11:06:08.169" v="304"/>
+        <pc:sldMkLst>
+          <pc:docMk/>
+          <pc:sldMk cId="549356452" sldId="260"/>
+        </pc:sldMkLst>
       </pc:sldChg>
       <pc:sldChg chg="addSp delSp modSp delAnim">
         <pc:chgData name="Sipos Dávid" userId="S::david.sipos@stud.uni-obuda.hu::33a32994-da80-4891-9b23-6e12fa1b238b" providerId="AD" clId="Web-{3CB0FE1A-4436-B3A2-EB38-110951C75BC1}" dt="2023-06-07T10:48:09.041" v="189" actId="1076"/>
@@ -1541,7 +1547,7 @@
           </a:lstStyle>
           <a:p>
             <a:r>
-              <a:rPr lang="en-US" dirty="0"/>
+              <a:rPr lang="en-US"/>
               <a:t>Click to edit Master title style</a:t>
             </a:r>
           </a:p>
@@ -1659,7 +1665,7 @@
           </a:lstStyle>
           <a:p>
             <a:r>
-              <a:rPr lang="en-US" dirty="0"/>
+              <a:rPr lang="en-US"/>
               <a:t>Click to edit Master subtitle style</a:t>
             </a:r>
           </a:p>
@@ -1685,7 +1691,7 @@
               <a:pPr/>
               <a:t>6/7/2023</a:t>
             </a:fld>
-            <a:endParaRPr lang="en-US" dirty="0"/>
+            <a:endParaRPr lang="en-US"/>
           </a:p>
         </p:txBody>
       </p:sp>
@@ -1709,7 +1715,7 @@
           <a:bodyPr/>
           <a:lstStyle/>
           <a:p>
-            <a:endParaRPr lang="en-US" dirty="0"/>
+            <a:endParaRPr lang="en-US"/>
           </a:p>
         </p:txBody>
       </p:sp>
@@ -1733,7 +1739,7 @@
               <a:pPr/>
               <a:t>‹#›</a:t>
             </a:fld>
-            <a:endParaRPr lang="en-US" dirty="0"/>
+            <a:endParaRPr lang="en-US"/>
           </a:p>
         </p:txBody>
       </p:sp>
@@ -1794,7 +1800,7 @@
           </a:lstStyle>
           <a:p>
             <a:r>
-              <a:rPr lang="en-US" dirty="0"/>
+              <a:rPr lang="en-US"/>
               <a:t>Click to edit Master title style</a:t>
             </a:r>
           </a:p>
@@ -1887,7 +1893,7 @@
             </a:lvl9pPr>
           </a:lstStyle>
           <a:p>
-            <a:endParaRPr lang="en-US" dirty="0"/>
+            <a:endParaRPr lang="en-US"/>
           </a:p>
         </p:txBody>
       </p:sp>
@@ -1952,7 +1958,7 @@
           <a:p>
             <a:pPr lvl="0"/>
             <a:r>
-              <a:rPr lang="en-US" dirty="0"/>
+              <a:rPr lang="en-US"/>
               <a:t>Click to edit Master text styles</a:t>
             </a:r>
           </a:p>
@@ -1978,7 +1984,7 @@
               <a:pPr/>
               <a:t>6/7/2023</a:t>
             </a:fld>
-            <a:endParaRPr lang="en-US" dirty="0"/>
+            <a:endParaRPr lang="en-US"/>
           </a:p>
         </p:txBody>
       </p:sp>
@@ -1997,7 +2003,7 @@
           <a:bodyPr/>
           <a:lstStyle/>
           <a:p>
-            <a:endParaRPr lang="en-US" dirty="0"/>
+            <a:endParaRPr lang="en-US"/>
           </a:p>
         </p:txBody>
       </p:sp>
@@ -2021,7 +2027,7 @@
               <a:pPr/>
               <a:t>‹#›</a:t>
             </a:fld>
-            <a:endParaRPr lang="en-US" dirty="0"/>
+            <a:endParaRPr lang="en-US"/>
           </a:p>
         </p:txBody>
       </p:sp>
@@ -2082,7 +2088,7 @@
           </a:lstStyle>
           <a:p>
             <a:r>
-              <a:rPr lang="en-US" dirty="0"/>
+              <a:rPr lang="en-US"/>
               <a:t>Click to edit Master title style</a:t>
             </a:r>
           </a:p>
@@ -2201,7 +2207,7 @@
           <a:p>
             <a:pPr lvl="0"/>
             <a:r>
-              <a:rPr lang="en-US" dirty="0"/>
+              <a:rPr lang="en-US"/>
               <a:t>Click to edit Master text styles</a:t>
             </a:r>
           </a:p>
@@ -2227,7 +2233,7 @@
               <a:pPr/>
               <a:t>6/7/2023</a:t>
             </a:fld>
-            <a:endParaRPr lang="en-US" dirty="0"/>
+            <a:endParaRPr lang="en-US"/>
           </a:p>
         </p:txBody>
       </p:sp>
@@ -2246,7 +2252,7 @@
           <a:bodyPr/>
           <a:lstStyle/>
           <a:p>
-            <a:endParaRPr lang="en-US" dirty="0"/>
+            <a:endParaRPr lang="en-US"/>
           </a:p>
         </p:txBody>
       </p:sp>
@@ -2270,7 +2276,7 @@
               <a:pPr/>
               <a:t>‹#›</a:t>
             </a:fld>
-            <a:endParaRPr lang="en-US" dirty="0"/>
+            <a:endParaRPr lang="en-US"/>
           </a:p>
         </p:txBody>
       </p:sp>
@@ -2409,7 +2415,7 @@
           <a:p>
             <a:pPr lvl="0"/>
             <a:r>
-              <a:rPr lang="en-US" sz="8000" dirty="0">
+              <a:rPr lang="en-US" sz="8000">
                 <a:solidFill>
                   <a:schemeClr val="tx1"/>
                 </a:solidFill>
@@ -2525,7 +2531,7 @@
           <a:p>
             <a:pPr lvl="0" algn="r"/>
             <a:r>
-              <a:rPr lang="en-US" sz="8000" dirty="0">
+              <a:rPr lang="en-US" sz="8000">
                 <a:solidFill>
                   <a:schemeClr val="tx1"/>
                 </a:solidFill>
@@ -2567,7 +2573,7 @@
           </a:lstStyle>
           <a:p>
             <a:r>
-              <a:rPr lang="en-US" dirty="0"/>
+              <a:rPr lang="en-US"/>
               <a:t>Click to edit Master title style</a:t>
             </a:r>
           </a:p>
@@ -2623,7 +2629,7 @@
           <a:p>
             <a:pPr lvl="0"/>
             <a:r>
-              <a:rPr lang="en-US" dirty="0"/>
+              <a:rPr lang="en-US"/>
               <a:t>Click to edit Master text styles</a:t>
             </a:r>
           </a:p>
@@ -2742,7 +2748,7 @@
           <a:p>
             <a:pPr lvl="0"/>
             <a:r>
-              <a:rPr lang="en-US" dirty="0"/>
+              <a:rPr lang="en-US"/>
               <a:t>Click to edit Master text styles</a:t>
             </a:r>
           </a:p>
@@ -2768,7 +2774,7 @@
               <a:pPr/>
               <a:t>6/7/2023</a:t>
             </a:fld>
-            <a:endParaRPr lang="en-US" dirty="0"/>
+            <a:endParaRPr lang="en-US"/>
           </a:p>
         </p:txBody>
       </p:sp>
@@ -2787,7 +2793,7 @@
           <a:bodyPr/>
           <a:lstStyle/>
           <a:p>
-            <a:endParaRPr lang="en-US" dirty="0"/>
+            <a:endParaRPr lang="en-US"/>
           </a:p>
         </p:txBody>
       </p:sp>
@@ -2811,7 +2817,7 @@
               <a:pPr/>
               <a:t>‹#›</a:t>
             </a:fld>
-            <a:endParaRPr lang="en-US" dirty="0"/>
+            <a:endParaRPr lang="en-US"/>
           </a:p>
         </p:txBody>
       </p:sp>
@@ -2872,7 +2878,7 @@
           </a:lstStyle>
           <a:p>
             <a:r>
-              <a:rPr lang="en-US" dirty="0"/>
+              <a:rPr lang="en-US"/>
               <a:t>Click to edit Master title style</a:t>
             </a:r>
           </a:p>
@@ -2991,7 +2997,7 @@
           <a:p>
             <a:pPr lvl="0"/>
             <a:r>
-              <a:rPr lang="en-US" dirty="0"/>
+              <a:rPr lang="en-US"/>
               <a:t>Click to edit Master text styles</a:t>
             </a:r>
           </a:p>
@@ -3017,7 +3023,7 @@
               <a:pPr/>
               <a:t>6/7/2023</a:t>
             </a:fld>
-            <a:endParaRPr lang="en-US" dirty="0"/>
+            <a:endParaRPr lang="en-US"/>
           </a:p>
         </p:txBody>
       </p:sp>
@@ -3036,7 +3042,7 @@
           <a:bodyPr/>
           <a:lstStyle/>
           <a:p>
-            <a:endParaRPr lang="en-US" dirty="0"/>
+            <a:endParaRPr lang="en-US"/>
           </a:p>
         </p:txBody>
       </p:sp>
@@ -3060,7 +3066,7 @@
               <a:pPr/>
               <a:t>‹#›</a:t>
             </a:fld>
-            <a:endParaRPr lang="en-US" dirty="0"/>
+            <a:endParaRPr lang="en-US"/>
           </a:p>
         </p:txBody>
       </p:sp>
@@ -3199,7 +3205,7 @@
           <a:p>
             <a:pPr lvl="0"/>
             <a:r>
-              <a:rPr lang="en-US" sz="8000" dirty="0">
+              <a:rPr lang="en-US" sz="8000">
                 <a:solidFill>
                   <a:schemeClr val="tx1"/>
                 </a:solidFill>
@@ -3315,7 +3321,7 @@
           <a:p>
             <a:pPr lvl="0" algn="r"/>
             <a:r>
-              <a:rPr lang="en-US" sz="8000" dirty="0">
+              <a:rPr lang="en-US" sz="8000">
                 <a:solidFill>
                   <a:schemeClr val="tx1"/>
                 </a:solidFill>
@@ -3357,7 +3363,7 @@
           </a:lstStyle>
           <a:p>
             <a:r>
-              <a:rPr lang="en-US" dirty="0"/>
+              <a:rPr lang="en-US"/>
               <a:t>Click to edit Master title style</a:t>
             </a:r>
           </a:p>
@@ -3405,7 +3411,7 @@
               <a:buNone/>
             </a:pPr>
             <a:r>
-              <a:rPr lang="en-US" dirty="0"/>
+              <a:rPr lang="en-US"/>
               <a:t>Click to edit Master text styles</a:t>
             </a:r>
           </a:p>
@@ -3524,7 +3530,7 @@
           <a:p>
             <a:pPr lvl="0"/>
             <a:r>
-              <a:rPr lang="en-US" dirty="0"/>
+              <a:rPr lang="en-US"/>
               <a:t>Click to edit Master text styles</a:t>
             </a:r>
           </a:p>
@@ -3550,7 +3556,7 @@
               <a:pPr/>
               <a:t>6/7/2023</a:t>
             </a:fld>
-            <a:endParaRPr lang="en-US" dirty="0"/>
+            <a:endParaRPr lang="en-US"/>
           </a:p>
         </p:txBody>
       </p:sp>
@@ -3569,7 +3575,7 @@
           <a:bodyPr/>
           <a:lstStyle/>
           <a:p>
-            <a:endParaRPr lang="en-US" dirty="0"/>
+            <a:endParaRPr lang="en-US"/>
           </a:p>
         </p:txBody>
       </p:sp>
@@ -3593,7 +3599,7 @@
               <a:pPr/>
               <a:t>‹#›</a:t>
             </a:fld>
-            <a:endParaRPr lang="en-US" dirty="0"/>
+            <a:endParaRPr lang="en-US"/>
           </a:p>
         </p:txBody>
       </p:sp>
@@ -3655,7 +3661,7 @@
           <a:p>
             <a:pPr marL="0" lvl="0"/>
             <a:r>
-              <a:rPr lang="en-US" dirty="0"/>
+              <a:rPr lang="en-US"/>
               <a:t>Click to edit Master title style</a:t>
             </a:r>
           </a:p>
@@ -3703,7 +3709,7 @@
               <a:buNone/>
             </a:pPr>
             <a:r>
-              <a:rPr lang="en-US" dirty="0"/>
+              <a:rPr lang="en-US"/>
               <a:t>Click to edit Master text styles</a:t>
             </a:r>
           </a:p>
@@ -3822,7 +3828,7 @@
           <a:p>
             <a:pPr lvl="0"/>
             <a:r>
-              <a:rPr lang="en-US" dirty="0"/>
+              <a:rPr lang="en-US"/>
               <a:t>Click to edit Master text styles</a:t>
             </a:r>
           </a:p>
@@ -3848,7 +3854,7 @@
               <a:pPr/>
               <a:t>6/7/2023</a:t>
             </a:fld>
-            <a:endParaRPr lang="en-US" dirty="0"/>
+            <a:endParaRPr lang="en-US"/>
           </a:p>
         </p:txBody>
       </p:sp>
@@ -3867,7 +3873,7 @@
           <a:bodyPr/>
           <a:lstStyle/>
           <a:p>
-            <a:endParaRPr lang="en-US" dirty="0"/>
+            <a:endParaRPr lang="en-US"/>
           </a:p>
         </p:txBody>
       </p:sp>
@@ -3891,7 +3897,7 @@
               <a:pPr/>
               <a:t>‹#›</a:t>
             </a:fld>
-            <a:endParaRPr lang="en-US" dirty="0"/>
+            <a:endParaRPr lang="en-US"/>
           </a:p>
         </p:txBody>
       </p:sp>
@@ -3945,7 +3951,7 @@
           </a:lstStyle>
           <a:p>
             <a:r>
-              <a:rPr lang="en-US" dirty="0"/>
+              <a:rPr lang="en-US"/>
               <a:t>Click to edit Master title style</a:t>
             </a:r>
           </a:p>
@@ -3968,35 +3974,35 @@
           <a:p>
             <a:pPr lvl="0"/>
             <a:r>
-              <a:rPr lang="en-US" dirty="0"/>
+              <a:rPr lang="en-US"/>
               <a:t>Click to edit Master text styles</a:t>
             </a:r>
           </a:p>
           <a:p>
             <a:pPr lvl="1"/>
             <a:r>
-              <a:rPr lang="en-US" dirty="0"/>
+              <a:rPr lang="en-US"/>
               <a:t>Second level</a:t>
             </a:r>
           </a:p>
           <a:p>
             <a:pPr lvl="2"/>
             <a:r>
-              <a:rPr lang="en-US" dirty="0"/>
+              <a:rPr lang="en-US"/>
               <a:t>Third level</a:t>
             </a:r>
           </a:p>
           <a:p>
             <a:pPr lvl="3"/>
             <a:r>
-              <a:rPr lang="en-US" dirty="0"/>
+              <a:rPr lang="en-US"/>
               <a:t>Fourth level</a:t>
             </a:r>
           </a:p>
           <a:p>
             <a:pPr lvl="4"/>
             <a:r>
-              <a:rPr lang="en-US" dirty="0"/>
+              <a:rPr lang="en-US"/>
               <a:t>Fifth level</a:t>
             </a:r>
           </a:p>
@@ -4022,7 +4028,7 @@
               <a:pPr/>
               <a:t>6/7/2023</a:t>
             </a:fld>
-            <a:endParaRPr lang="en-US" dirty="0"/>
+            <a:endParaRPr lang="en-US"/>
           </a:p>
         </p:txBody>
       </p:sp>
@@ -4041,7 +4047,7 @@
           <a:bodyPr/>
           <a:lstStyle/>
           <a:p>
-            <a:endParaRPr lang="en-US" dirty="0"/>
+            <a:endParaRPr lang="en-US"/>
           </a:p>
         </p:txBody>
       </p:sp>
@@ -4065,7 +4071,7 @@
               <a:pPr/>
               <a:t>‹#›</a:t>
             </a:fld>
-            <a:endParaRPr lang="en-US" dirty="0"/>
+            <a:endParaRPr lang="en-US"/>
           </a:p>
         </p:txBody>
       </p:sp>
@@ -4120,7 +4126,7 @@
           <a:lstStyle/>
           <a:p>
             <a:r>
-              <a:rPr lang="en-US" dirty="0"/>
+              <a:rPr lang="en-US"/>
               <a:t>Click to edit Master title style</a:t>
             </a:r>
           </a:p>
@@ -4148,35 +4154,35 @@
           <a:p>
             <a:pPr lvl="0"/>
             <a:r>
-              <a:rPr lang="en-US" dirty="0"/>
+              <a:rPr lang="en-US"/>
               <a:t>Click to edit Master text styles</a:t>
             </a:r>
           </a:p>
           <a:p>
             <a:pPr lvl="1"/>
             <a:r>
-              <a:rPr lang="en-US" dirty="0"/>
+              <a:rPr lang="en-US"/>
               <a:t>Second level</a:t>
             </a:r>
           </a:p>
           <a:p>
             <a:pPr lvl="2"/>
             <a:r>
-              <a:rPr lang="en-US" dirty="0"/>
+              <a:rPr lang="en-US"/>
               <a:t>Third level</a:t>
             </a:r>
           </a:p>
           <a:p>
             <a:pPr lvl="3"/>
             <a:r>
-              <a:rPr lang="en-US" dirty="0"/>
+              <a:rPr lang="en-US"/>
               <a:t>Fourth level</a:t>
             </a:r>
           </a:p>
           <a:p>
             <a:pPr lvl="4"/>
             <a:r>
-              <a:rPr lang="en-US" dirty="0"/>
+              <a:rPr lang="en-US"/>
               <a:t>Fifth level</a:t>
             </a:r>
           </a:p>
@@ -4202,7 +4208,7 @@
               <a:pPr/>
               <a:t>6/7/2023</a:t>
             </a:fld>
-            <a:endParaRPr lang="en-US" dirty="0"/>
+            <a:endParaRPr lang="en-US"/>
           </a:p>
         </p:txBody>
       </p:sp>
@@ -4221,7 +4227,7 @@
           <a:bodyPr/>
           <a:lstStyle/>
           <a:p>
-            <a:endParaRPr lang="en-US" dirty="0"/>
+            <a:endParaRPr lang="en-US"/>
           </a:p>
         </p:txBody>
       </p:sp>
@@ -4245,7 +4251,7 @@
               <a:pPr/>
               <a:t>‹#›</a:t>
             </a:fld>
-            <a:endParaRPr lang="en-US" dirty="0"/>
+            <a:endParaRPr lang="en-US"/>
           </a:p>
         </p:txBody>
       </p:sp>
@@ -4295,7 +4301,7 @@
           <a:lstStyle/>
           <a:p>
             <a:r>
-              <a:rPr lang="en-US" dirty="0"/>
+              <a:rPr lang="en-US"/>
               <a:t>Click to edit Master title style</a:t>
             </a:r>
           </a:p>
@@ -4318,35 +4324,35 @@
           <a:p>
             <a:pPr lvl="0"/>
             <a:r>
-              <a:rPr lang="en-US" dirty="0"/>
+              <a:rPr lang="en-US"/>
               <a:t>Click to edit Master text styles</a:t>
             </a:r>
           </a:p>
           <a:p>
             <a:pPr lvl="1"/>
             <a:r>
-              <a:rPr lang="en-US" dirty="0"/>
+              <a:rPr lang="en-US"/>
               <a:t>Second level</a:t>
             </a:r>
           </a:p>
           <a:p>
             <a:pPr lvl="2"/>
             <a:r>
-              <a:rPr lang="en-US" dirty="0"/>
+              <a:rPr lang="en-US"/>
               <a:t>Third level</a:t>
             </a:r>
           </a:p>
           <a:p>
             <a:pPr lvl="3"/>
             <a:r>
-              <a:rPr lang="en-US" dirty="0"/>
+              <a:rPr lang="en-US"/>
               <a:t>Fourth level</a:t>
             </a:r>
           </a:p>
           <a:p>
             <a:pPr lvl="4"/>
             <a:r>
-              <a:rPr lang="en-US" dirty="0"/>
+              <a:rPr lang="en-US"/>
               <a:t>Fifth level</a:t>
             </a:r>
           </a:p>
@@ -4372,7 +4378,7 @@
               <a:pPr/>
               <a:t>6/7/2023</a:t>
             </a:fld>
-            <a:endParaRPr lang="en-US" dirty="0"/>
+            <a:endParaRPr lang="en-US"/>
           </a:p>
         </p:txBody>
       </p:sp>
@@ -4391,7 +4397,7 @@
           <a:bodyPr/>
           <a:lstStyle/>
           <a:p>
-            <a:endParaRPr lang="en-US" dirty="0"/>
+            <a:endParaRPr lang="en-US"/>
           </a:p>
         </p:txBody>
       </p:sp>
@@ -4420,7 +4426,7 @@
               <a:pPr/>
               <a:t>‹#›</a:t>
             </a:fld>
-            <a:endParaRPr lang="en-US" dirty="0"/>
+            <a:endParaRPr lang="en-US"/>
           </a:p>
         </p:txBody>
       </p:sp>
@@ -4479,7 +4485,7 @@
           </a:lstStyle>
           <a:p>
             <a:r>
-              <a:rPr lang="en-US" dirty="0"/>
+              <a:rPr lang="en-US"/>
               <a:t>Click to edit Master title style</a:t>
             </a:r>
           </a:p>
@@ -4598,7 +4604,7 @@
           <a:p>
             <a:pPr lvl="0"/>
             <a:r>
-              <a:rPr lang="en-US" dirty="0"/>
+              <a:rPr lang="en-US"/>
               <a:t>Click to edit Master text styles</a:t>
             </a:r>
           </a:p>
@@ -4624,7 +4630,7 @@
               <a:pPr/>
               <a:t>6/7/2023</a:t>
             </a:fld>
-            <a:endParaRPr lang="en-US" dirty="0"/>
+            <a:endParaRPr lang="en-US"/>
           </a:p>
         </p:txBody>
       </p:sp>
@@ -4643,7 +4649,7 @@
           <a:bodyPr/>
           <a:lstStyle/>
           <a:p>
-            <a:endParaRPr lang="en-US" dirty="0"/>
+            <a:endParaRPr lang="en-US"/>
           </a:p>
         </p:txBody>
       </p:sp>
@@ -4667,7 +4673,7 @@
               <a:pPr/>
               <a:t>‹#›</a:t>
             </a:fld>
-            <a:endParaRPr lang="en-US" dirty="0"/>
+            <a:endParaRPr lang="en-US"/>
           </a:p>
         </p:txBody>
       </p:sp>
@@ -4722,7 +4728,7 @@
           <a:lstStyle/>
           <a:p>
             <a:r>
-              <a:rPr lang="en-US" dirty="0"/>
+              <a:rPr lang="en-US"/>
               <a:t>Click to edit Master title style</a:t>
             </a:r>
           </a:p>
@@ -4780,35 +4786,35 @@
           <a:p>
             <a:pPr lvl="0"/>
             <a:r>
-              <a:rPr lang="en-US" dirty="0"/>
+              <a:rPr lang="en-US"/>
               <a:t>Click to edit Master text styles</a:t>
             </a:r>
           </a:p>
           <a:p>
             <a:pPr lvl="1"/>
             <a:r>
-              <a:rPr lang="en-US" dirty="0"/>
+              <a:rPr lang="en-US"/>
               <a:t>Second level</a:t>
             </a:r>
           </a:p>
           <a:p>
             <a:pPr lvl="2"/>
             <a:r>
-              <a:rPr lang="en-US" dirty="0"/>
+              <a:rPr lang="en-US"/>
               <a:t>Third level</a:t>
             </a:r>
           </a:p>
           <a:p>
             <a:pPr lvl="3"/>
             <a:r>
-              <a:rPr lang="en-US" dirty="0"/>
+              <a:rPr lang="en-US"/>
               <a:t>Fourth level</a:t>
             </a:r>
           </a:p>
           <a:p>
             <a:pPr lvl="4"/>
             <a:r>
-              <a:rPr lang="en-US" dirty="0"/>
+              <a:rPr lang="en-US"/>
               <a:t>Fifth level</a:t>
             </a:r>
           </a:p>
@@ -4866,35 +4872,35 @@
           <a:p>
             <a:pPr lvl="0"/>
             <a:r>
-              <a:rPr lang="en-US" dirty="0"/>
+              <a:rPr lang="en-US"/>
               <a:t>Click to edit Master text styles</a:t>
             </a:r>
           </a:p>
           <a:p>
             <a:pPr lvl="1"/>
             <a:r>
-              <a:rPr lang="en-US" dirty="0"/>
+              <a:rPr lang="en-US"/>
               <a:t>Second level</a:t>
             </a:r>
           </a:p>
           <a:p>
             <a:pPr lvl="2"/>
             <a:r>
-              <a:rPr lang="en-US" dirty="0"/>
+              <a:rPr lang="en-US"/>
               <a:t>Third level</a:t>
             </a:r>
           </a:p>
           <a:p>
             <a:pPr lvl="3"/>
             <a:r>
-              <a:rPr lang="en-US" dirty="0"/>
+              <a:rPr lang="en-US"/>
               <a:t>Fourth level</a:t>
             </a:r>
           </a:p>
           <a:p>
             <a:pPr lvl="4"/>
             <a:r>
-              <a:rPr lang="en-US" dirty="0"/>
+              <a:rPr lang="en-US"/>
               <a:t>Fifth level</a:t>
             </a:r>
           </a:p>
@@ -4920,7 +4926,7 @@
               <a:pPr/>
               <a:t>6/7/2023</a:t>
             </a:fld>
-            <a:endParaRPr lang="en-US" dirty="0"/>
+            <a:endParaRPr lang="en-US"/>
           </a:p>
         </p:txBody>
       </p:sp>
@@ -4939,7 +4945,7 @@
           <a:bodyPr/>
           <a:lstStyle/>
           <a:p>
-            <a:endParaRPr lang="en-US" dirty="0"/>
+            <a:endParaRPr lang="en-US"/>
           </a:p>
         </p:txBody>
       </p:sp>
@@ -4963,7 +4969,7 @@
               <a:pPr/>
               <a:t>‹#›</a:t>
             </a:fld>
-            <a:endParaRPr lang="en-US" dirty="0"/>
+            <a:endParaRPr lang="en-US"/>
           </a:p>
         </p:txBody>
       </p:sp>
@@ -5017,7 +5023,7 @@
           </a:lstStyle>
           <a:p>
             <a:r>
-              <a:rPr lang="en-US" dirty="0"/>
+              <a:rPr lang="en-US"/>
               <a:t>Click to edit Master title style</a:t>
             </a:r>
           </a:p>
@@ -5090,7 +5096,7 @@
           <a:p>
             <a:pPr lvl="0"/>
             <a:r>
-              <a:rPr lang="en-US" dirty="0"/>
+              <a:rPr lang="en-US"/>
               <a:t>Click to edit Master text styles</a:t>
             </a:r>
           </a:p>
@@ -5148,35 +5154,35 @@
           <a:p>
             <a:pPr lvl="0"/>
             <a:r>
-              <a:rPr lang="en-US" dirty="0"/>
+              <a:rPr lang="en-US"/>
               <a:t>Click to edit Master text styles</a:t>
             </a:r>
           </a:p>
           <a:p>
             <a:pPr lvl="1"/>
             <a:r>
-              <a:rPr lang="en-US" dirty="0"/>
+              <a:rPr lang="en-US"/>
               <a:t>Second level</a:t>
             </a:r>
           </a:p>
           <a:p>
             <a:pPr lvl="2"/>
             <a:r>
-              <a:rPr lang="en-US" dirty="0"/>
+              <a:rPr lang="en-US"/>
               <a:t>Third level</a:t>
             </a:r>
           </a:p>
           <a:p>
             <a:pPr lvl="3"/>
             <a:r>
-              <a:rPr lang="en-US" dirty="0"/>
+              <a:rPr lang="en-US"/>
               <a:t>Fourth level</a:t>
             </a:r>
           </a:p>
           <a:p>
             <a:pPr lvl="4"/>
             <a:r>
-              <a:rPr lang="en-US" dirty="0"/>
+              <a:rPr lang="en-US"/>
               <a:t>Fifth level</a:t>
             </a:r>
           </a:p>
@@ -5249,7 +5255,7 @@
           <a:p>
             <a:pPr lvl="0"/>
             <a:r>
-              <a:rPr lang="en-US" dirty="0"/>
+              <a:rPr lang="en-US"/>
               <a:t>Click to edit Master text styles</a:t>
             </a:r>
           </a:p>
@@ -5307,35 +5313,35 @@
           <a:p>
             <a:pPr lvl="0"/>
             <a:r>
-              <a:rPr lang="en-US" dirty="0"/>
+              <a:rPr lang="en-US"/>
               <a:t>Click to edit Master text styles</a:t>
             </a:r>
           </a:p>
           <a:p>
             <a:pPr lvl="1"/>
             <a:r>
-              <a:rPr lang="en-US" dirty="0"/>
+              <a:rPr lang="en-US"/>
               <a:t>Second level</a:t>
             </a:r>
           </a:p>
           <a:p>
             <a:pPr lvl="2"/>
             <a:r>
-              <a:rPr lang="en-US" dirty="0"/>
+              <a:rPr lang="en-US"/>
               <a:t>Third level</a:t>
             </a:r>
           </a:p>
           <a:p>
             <a:pPr lvl="3"/>
             <a:r>
-              <a:rPr lang="en-US" dirty="0"/>
+              <a:rPr lang="en-US"/>
               <a:t>Fourth level</a:t>
             </a:r>
           </a:p>
           <a:p>
             <a:pPr lvl="4"/>
             <a:r>
-              <a:rPr lang="en-US" dirty="0"/>
+              <a:rPr lang="en-US"/>
               <a:t>Fifth level</a:t>
             </a:r>
           </a:p>
@@ -5361,7 +5367,7 @@
               <a:pPr/>
               <a:t>6/7/2023</a:t>
             </a:fld>
-            <a:endParaRPr lang="en-US" dirty="0"/>
+            <a:endParaRPr lang="en-US"/>
           </a:p>
         </p:txBody>
       </p:sp>
@@ -5380,7 +5386,7 @@
           <a:bodyPr/>
           <a:lstStyle/>
           <a:p>
-            <a:endParaRPr lang="en-US" dirty="0"/>
+            <a:endParaRPr lang="en-US"/>
           </a:p>
         </p:txBody>
       </p:sp>
@@ -5404,7 +5410,7 @@
               <a:pPr/>
               <a:t>‹#›</a:t>
             </a:fld>
-            <a:endParaRPr lang="en-US" dirty="0"/>
+            <a:endParaRPr lang="en-US"/>
           </a:p>
         </p:txBody>
       </p:sp>
@@ -5454,7 +5460,7 @@
           <a:lstStyle/>
           <a:p>
             <a:r>
-              <a:rPr lang="en-US" dirty="0"/>
+              <a:rPr lang="en-US"/>
               <a:t>Click to edit Master title style</a:t>
             </a:r>
           </a:p>
@@ -5480,7 +5486,7 @@
               <a:pPr/>
               <a:t>6/7/2023</a:t>
             </a:fld>
-            <a:endParaRPr lang="en-US" dirty="0"/>
+            <a:endParaRPr lang="en-US"/>
           </a:p>
         </p:txBody>
       </p:sp>
@@ -5499,7 +5505,7 @@
           <a:bodyPr/>
           <a:lstStyle/>
           <a:p>
-            <a:endParaRPr lang="en-US" dirty="0"/>
+            <a:endParaRPr lang="en-US"/>
           </a:p>
         </p:txBody>
       </p:sp>
@@ -5523,7 +5529,7 @@
               <a:pPr/>
               <a:t>‹#›</a:t>
             </a:fld>
-            <a:endParaRPr lang="en-US" dirty="0"/>
+            <a:endParaRPr lang="en-US"/>
           </a:p>
         </p:txBody>
       </p:sp>
@@ -5577,7 +5583,7 @@
               <a:pPr/>
               <a:t>6/7/2023</a:t>
             </a:fld>
-            <a:endParaRPr lang="en-US" dirty="0"/>
+            <a:endParaRPr lang="en-US"/>
           </a:p>
         </p:txBody>
       </p:sp>
@@ -5596,7 +5602,7 @@
           <a:bodyPr/>
           <a:lstStyle/>
           <a:p>
-            <a:endParaRPr lang="en-US" dirty="0"/>
+            <a:endParaRPr lang="en-US"/>
           </a:p>
         </p:txBody>
       </p:sp>
@@ -5620,7 +5626,7 @@
               <a:pPr/>
               <a:t>‹#›</a:t>
             </a:fld>
-            <a:endParaRPr lang="en-US" dirty="0"/>
+            <a:endParaRPr lang="en-US"/>
           </a:p>
         </p:txBody>
       </p:sp>
@@ -5681,7 +5687,7 @@
           </a:lstStyle>
           <a:p>
             <a:r>
-              <a:rPr lang="en-US" dirty="0"/>
+              <a:rPr lang="en-US"/>
               <a:t>Click to edit Master title style</a:t>
             </a:r>
           </a:p>
@@ -5739,35 +5745,35 @@
           <a:p>
             <a:pPr lvl="0"/>
             <a:r>
-              <a:rPr lang="en-US" dirty="0"/>
+              <a:rPr lang="en-US"/>
               <a:t>Click to edit Master text styles</a:t>
             </a:r>
           </a:p>
           <a:p>
             <a:pPr lvl="1"/>
             <a:r>
-              <a:rPr lang="en-US" dirty="0"/>
+              <a:rPr lang="en-US"/>
               <a:t>Second level</a:t>
             </a:r>
           </a:p>
           <a:p>
             <a:pPr lvl="2"/>
             <a:r>
-              <a:rPr lang="en-US" dirty="0"/>
+              <a:rPr lang="en-US"/>
               <a:t>Third level</a:t>
             </a:r>
           </a:p>
           <a:p>
             <a:pPr lvl="3"/>
             <a:r>
-              <a:rPr lang="en-US" dirty="0"/>
+              <a:rPr lang="en-US"/>
               <a:t>Fourth level</a:t>
             </a:r>
           </a:p>
           <a:p>
             <a:pPr lvl="4"/>
             <a:r>
-              <a:rPr lang="en-US" dirty="0"/>
+              <a:rPr lang="en-US"/>
               <a:t>Fifth level</a:t>
             </a:r>
           </a:p>
@@ -5834,7 +5840,7 @@
           <a:p>
             <a:pPr lvl="0"/>
             <a:r>
-              <a:rPr lang="en-US" dirty="0"/>
+              <a:rPr lang="en-US"/>
               <a:t>Click to edit Master text styles</a:t>
             </a:r>
           </a:p>
@@ -5860,7 +5866,7 @@
               <a:pPr/>
               <a:t>6/7/2023</a:t>
             </a:fld>
-            <a:endParaRPr lang="en-US" dirty="0"/>
+            <a:endParaRPr lang="en-US"/>
           </a:p>
         </p:txBody>
       </p:sp>
@@ -5879,7 +5885,7 @@
           <a:bodyPr/>
           <a:lstStyle/>
           <a:p>
-            <a:endParaRPr lang="en-US" dirty="0"/>
+            <a:endParaRPr lang="en-US"/>
           </a:p>
         </p:txBody>
       </p:sp>
@@ -5903,7 +5909,7 @@
               <a:pPr/>
               <a:t>‹#›</a:t>
             </a:fld>
-            <a:endParaRPr lang="en-US" dirty="0"/>
+            <a:endParaRPr lang="en-US"/>
           </a:p>
         </p:txBody>
       </p:sp>
@@ -5964,7 +5970,7 @@
           </a:lstStyle>
           <a:p>
             <a:r>
-              <a:rPr lang="en-US" dirty="0"/>
+              <a:rPr lang="en-US"/>
               <a:t>Click to edit Master title style</a:t>
             </a:r>
           </a:p>
@@ -6057,7 +6063,7 @@
             </a:lvl9pPr>
           </a:lstStyle>
           <a:p>
-            <a:endParaRPr lang="en-US" dirty="0"/>
+            <a:endParaRPr lang="en-US"/>
           </a:p>
         </p:txBody>
       </p:sp>
@@ -6122,7 +6128,7 @@
           <a:p>
             <a:pPr lvl="0"/>
             <a:r>
-              <a:rPr lang="en-US" dirty="0"/>
+              <a:rPr lang="en-US"/>
               <a:t>Click to edit Master text styles</a:t>
             </a:r>
           </a:p>
@@ -6148,7 +6154,7 @@
               <a:pPr/>
               <a:t>6/7/2023</a:t>
             </a:fld>
-            <a:endParaRPr lang="en-US" dirty="0"/>
+            <a:endParaRPr lang="en-US"/>
           </a:p>
         </p:txBody>
       </p:sp>
@@ -6167,7 +6173,7 @@
           <a:bodyPr/>
           <a:lstStyle/>
           <a:p>
-            <a:endParaRPr lang="en-US" dirty="0"/>
+            <a:endParaRPr lang="en-US"/>
           </a:p>
         </p:txBody>
       </p:sp>
@@ -6191,7 +6197,7 @@
               <a:pPr/>
               <a:t>‹#›</a:t>
             </a:fld>
-            <a:endParaRPr lang="en-US" dirty="0"/>
+            <a:endParaRPr lang="en-US"/>
           </a:p>
         </p:txBody>
       </p:sp>
@@ -6573,7 +6579,7 @@
           <a:lstStyle/>
           <a:p>
             <a:r>
-              <a:rPr lang="en-US" dirty="0"/>
+              <a:rPr lang="en-US"/>
               <a:t>Click to edit Master title style</a:t>
             </a:r>
           </a:p>
@@ -6606,35 +6612,35 @@
           <a:p>
             <a:pPr lvl="0"/>
             <a:r>
-              <a:rPr lang="en-US" dirty="0"/>
+              <a:rPr lang="en-US"/>
               <a:t>Click to edit Master text styles</a:t>
             </a:r>
           </a:p>
           <a:p>
             <a:pPr lvl="1"/>
             <a:r>
-              <a:rPr lang="en-US" dirty="0"/>
+              <a:rPr lang="en-US"/>
               <a:t>Second level</a:t>
             </a:r>
           </a:p>
           <a:p>
             <a:pPr lvl="2"/>
             <a:r>
-              <a:rPr lang="en-US" dirty="0"/>
+              <a:rPr lang="en-US"/>
               <a:t>Third level</a:t>
             </a:r>
           </a:p>
           <a:p>
             <a:pPr lvl="3"/>
             <a:r>
-              <a:rPr lang="en-US" dirty="0"/>
+              <a:rPr lang="en-US"/>
               <a:t>Fourth level</a:t>
             </a:r>
           </a:p>
           <a:p>
             <a:pPr lvl="4"/>
             <a:r>
-              <a:rPr lang="en-US" dirty="0"/>
+              <a:rPr lang="en-US"/>
               <a:t>Fifth level</a:t>
             </a:r>
           </a:p>
@@ -6678,7 +6684,7 @@
               <a:pPr/>
               <a:t>6/7/2023</a:t>
             </a:fld>
-            <a:endParaRPr lang="en-US" dirty="0"/>
+            <a:endParaRPr lang="en-US"/>
           </a:p>
         </p:txBody>
       </p:sp>
@@ -6715,7 +6721,7 @@
             </a:lvl1pPr>
           </a:lstStyle>
           <a:p>
-            <a:endParaRPr lang="en-US" dirty="0"/>
+            <a:endParaRPr lang="en-US"/>
           </a:p>
         </p:txBody>
       </p:sp>
@@ -6757,7 +6763,7 @@
               <a:pPr/>
               <a:t>‹#›</a:t>
             </a:fld>
-            <a:endParaRPr lang="en-US" dirty="0"/>
+            <a:endParaRPr lang="en-US"/>
           </a:p>
         </p:txBody>
       </p:sp>
@@ -7241,13 +7247,13 @@
           <a:p>
             <a:pPr algn="l"/>
             <a:br>
-              <a:rPr lang="en-US" sz="3200" dirty="0"/>
+              <a:rPr lang="en-US" sz="3200"/>
             </a:br>
             <a:br>
-              <a:rPr lang="en-US" sz="3200" dirty="0"/>
+              <a:rPr lang="en-US" sz="3200"/>
             </a:br>
             <a:r>
-              <a:rPr lang="en-US" sz="4000" b="1" dirty="0"/>
+              <a:rPr lang="en-US" sz="4000" b="1"/>
               <a:t>F1_driver_standings_predictor</a:t>
             </a:r>
             <a:endParaRPr lang="en-US" sz="4000" b="1">
@@ -7501,7 +7507,7 @@
           <a:lstStyle/>
           <a:p>
             <a:r>
-              <a:rPr lang="hu-HU" sz="6000" b="1" dirty="0">
+              <a:rPr lang="hu-HU" sz="6000" b="1">
                 <a:cs typeface="Calibri Light"/>
               </a:rPr>
               <a:t>A feladat:</a:t>
@@ -7541,7 +7547,7 @@
               <a:buNone/>
             </a:pPr>
             <a:r>
-              <a:rPr lang="hu-HU" sz="4000" dirty="0">
+              <a:rPr lang="hu-HU" sz="4000">
                 <a:cs typeface="Calibri"/>
               </a:rPr>
               <a:t>Olyan modell készítése, ami "megjósolja" a F1 2023-as szezonjának világbajnoki tabella végeredményét.</a:t>
@@ -7565,27 +7571,6 @@
 <file path=ppt/slides/slide3.xml><?xml version="1.0" encoding="utf-8"?>
 <p:sld xmlns:a="http://schemas.openxmlformats.org/drawingml/2006/main" xmlns:r="http://schemas.openxmlformats.org/officeDocument/2006/relationships" xmlns:p="http://schemas.openxmlformats.org/presentationml/2006/main">
   <p:cSld>
-    <p:bg>
-      <p:bgPr>
-        <a:blipFill rotWithShape="1">
-          <a:blip r:embed="rId2">
-            <a:duotone>
-              <a:schemeClr val="bg2">
-                <a:shade val="76000"/>
-                <a:satMod val="180000"/>
-              </a:schemeClr>
-              <a:schemeClr val="bg2">
-                <a:tint val="80000"/>
-                <a:satMod val="120000"/>
-                <a:lumMod val="180000"/>
-              </a:schemeClr>
-            </a:duotone>
-          </a:blip>
-          <a:stretch/>
-        </a:blipFill>
-        <a:effectLst/>
-      </p:bgPr>
-    </p:bg>
     <p:spTree>
       <p:nvGrpSpPr>
         <p:cNvPr id="1" name=""/>
@@ -7600,749 +7585,6 @@
           <a:chExt cx="0" cy="0"/>
         </a:xfrm>
       </p:grpSpPr>
-      <p:sp useBgFill="1">
-        <p:nvSpPr>
-          <p:cNvPr id="9" name="Rectangle 8">
-            <a:extLst>
-              <a:ext uri="{FF2B5EF4-FFF2-40B4-BE49-F238E27FC236}">
-                <a16:creationId xmlns:a16="http://schemas.microsoft.com/office/drawing/2014/main" id="{6AD30037-67ED-4367-9BE0-45787510BF13}"/>
-              </a:ext>
-              <a:ext uri="{C183D7F6-B498-43B3-948B-1728B52AA6E4}">
-                <adec:decorative xmlns:adec="http://schemas.microsoft.com/office/drawing/2017/decorative" val="1"/>
-              </a:ext>
-            </a:extLst>
-          </p:cNvPr>
-          <p:cNvSpPr>
-            <a:spLocks noGrp="1" noRot="1" noChangeAspect="1" noMove="1" noResize="1" noEditPoints="1" noAdjustHandles="1" noChangeArrowheads="1" noChangeShapeType="1" noTextEdit="1"/>
-          </p:cNvSpPr>
-          <p:nvPr>
-            <p:extLst>
-              <p:ext uri="{386F3935-93C4-4BCD-93E2-E3B085C9AB24}">
-                <p16:designElem xmlns:p16="http://schemas.microsoft.com/office/powerpoint/2015/main" val="1"/>
-              </p:ext>
-            </p:extLst>
-          </p:nvPr>
-        </p:nvSpPr>
-        <p:spPr>
-          <a:xfrm>
-            <a:off x="0" y="0"/>
-            <a:ext cx="12192000" cy="6858000"/>
-          </a:xfrm>
-          <a:prstGeom prst="rect">
-            <a:avLst/>
-          </a:prstGeom>
-          <a:ln>
-            <a:noFill/>
-          </a:ln>
-        </p:spPr>
-        <p:style>
-          <a:lnRef idx="2">
-            <a:schemeClr val="accent1">
-              <a:shade val="50000"/>
-            </a:schemeClr>
-          </a:lnRef>
-          <a:fillRef idx="1">
-            <a:schemeClr val="accent1"/>
-          </a:fillRef>
-          <a:effectRef idx="0">
-            <a:schemeClr val="accent1"/>
-          </a:effectRef>
-          <a:fontRef idx="minor">
-            <a:schemeClr val="lt1"/>
-          </a:fontRef>
-        </p:style>
-        <p:txBody>
-          <a:bodyPr rtlCol="0" anchor="ctr"/>
-          <a:lstStyle/>
-          <a:p>
-            <a:pPr algn="ctr"/>
-            <a:endParaRPr lang="en-US"/>
-          </a:p>
-        </p:txBody>
-      </p:sp>
-      <p:pic>
-        <p:nvPicPr>
-          <p:cNvPr id="5" name="Picture 4" descr="Kérdőjel pasztellzöld háttérrel">
-            <a:extLst>
-              <a:ext uri="{FF2B5EF4-FFF2-40B4-BE49-F238E27FC236}">
-                <a16:creationId xmlns:a16="http://schemas.microsoft.com/office/drawing/2014/main" id="{B8D94D70-3EFE-FB5E-0510-B8EE14E5D069}"/>
-              </a:ext>
-            </a:extLst>
-          </p:cNvPr>
-          <p:cNvPicPr>
-            <a:picLocks noChangeAspect="1"/>
-          </p:cNvPicPr>
-          <p:nvPr/>
-        </p:nvPicPr>
-        <p:blipFill rotWithShape="1">
-          <a:blip r:embed="rId3"/>
-          <a:srcRect l="41204" r="847" b="4"/>
-          <a:stretch/>
-        </p:blipFill>
-        <p:spPr>
-          <a:xfrm>
-            <a:off x="6892924" y="10"/>
-            <a:ext cx="5299077" cy="6857990"/>
-          </a:xfrm>
-          <a:custGeom>
-            <a:avLst/>
-            <a:gdLst/>
-            <a:ahLst/>
-            <a:cxnLst/>
-            <a:rect l="l" t="t" r="r" b="b"/>
-            <a:pathLst>
-              <a:path w="5299077" h="6858000">
-                <a:moveTo>
-                  <a:pt x="836871" y="0"/>
-                </a:moveTo>
-                <a:lnTo>
-                  <a:pt x="5299077" y="0"/>
-                </a:lnTo>
-                <a:lnTo>
-                  <a:pt x="5299077" y="6858000"/>
-                </a:lnTo>
-                <a:lnTo>
-                  <a:pt x="1911312" y="6858000"/>
-                </a:lnTo>
-                <a:lnTo>
-                  <a:pt x="0" y="5333999"/>
-                </a:lnTo>
-                <a:close/>
-              </a:path>
-            </a:pathLst>
-          </a:custGeom>
-        </p:spPr>
-      </p:pic>
-      <p:grpSp>
-        <p:nvGrpSpPr>
-          <p:cNvPr id="11" name="Group 10">
-            <a:extLst>
-              <a:ext uri="{FF2B5EF4-FFF2-40B4-BE49-F238E27FC236}">
-                <a16:creationId xmlns:a16="http://schemas.microsoft.com/office/drawing/2014/main" id="{50841A4E-5BC1-44B4-83CF-D524E8AEAD64}"/>
-              </a:ext>
-              <a:ext uri="{C183D7F6-B498-43B3-948B-1728B52AA6E4}">
-                <adec:decorative xmlns:adec="http://schemas.microsoft.com/office/drawing/2017/decorative" val="1"/>
-              </a:ext>
-            </a:extLst>
-          </p:cNvPr>
-          <p:cNvGrpSpPr>
-            <a:grpSpLocks noGrp="1" noUngrp="1" noRot="1" noChangeAspect="1" noMove="1" noResize="1"/>
-          </p:cNvGrpSpPr>
-          <p:nvPr>
-            <p:extLst>
-              <p:ext uri="{386F3935-93C4-4BCD-93E2-E3B085C9AB24}">
-                <p16:designElem xmlns:p16="http://schemas.microsoft.com/office/powerpoint/2015/main" val="1"/>
-              </p:ext>
-            </p:extLst>
-          </p:nvPr>
-        </p:nvGrpSpPr>
-        <p:grpSpPr>
-          <a:xfrm>
-            <a:off x="6232760" y="0"/>
-            <a:ext cx="2436813" cy="6858001"/>
-            <a:chOff x="1320800" y="0"/>
-            <a:chExt cx="2436813" cy="6858001"/>
-          </a:xfrm>
-        </p:grpSpPr>
-        <p:sp>
-          <p:nvSpPr>
-            <p:cNvPr id="12" name="Freeform 6">
-              <a:extLst>
-                <a:ext uri="{FF2B5EF4-FFF2-40B4-BE49-F238E27FC236}">
-                  <a16:creationId xmlns:a16="http://schemas.microsoft.com/office/drawing/2014/main" id="{BF371BCC-8954-44E2-8C4F-29DC188727AC}"/>
-                </a:ext>
-                <a:ext uri="{C183D7F6-B498-43B3-948B-1728B52AA6E4}">
-                  <adec:decorative xmlns:adec="http://schemas.microsoft.com/office/drawing/2017/decorative" val="1"/>
-                </a:ext>
-              </a:extLst>
-            </p:cNvPr>
-            <p:cNvSpPr/>
-            <p:nvPr>
-              <p:extLst>
-                <p:ext uri="{386F3935-93C4-4BCD-93E2-E3B085C9AB24}">
-                  <p16:designElem xmlns:p16="http://schemas.microsoft.com/office/powerpoint/2015/main" val="1"/>
-                </p:ext>
-              </p:extLst>
-            </p:nvPr>
-          </p:nvSpPr>
-          <p:spPr bwMode="auto">
-            <a:xfrm>
-              <a:off x="1627188" y="0"/>
-              <a:ext cx="1122363" cy="5329238"/>
-            </a:xfrm>
-            <a:custGeom>
-              <a:avLst/>
-              <a:gdLst/>
-              <a:ahLst/>
-              <a:cxnLst/>
-              <a:rect l="0" t="0" r="r" b="b"/>
-              <a:pathLst>
-                <a:path w="707" h="3357">
-                  <a:moveTo>
-                    <a:pt x="0" y="3330"/>
-                  </a:moveTo>
-                  <a:lnTo>
-                    <a:pt x="156" y="3357"/>
-                  </a:lnTo>
-                  <a:lnTo>
-                    <a:pt x="707" y="0"/>
-                  </a:lnTo>
-                  <a:lnTo>
-                    <a:pt x="547" y="0"/>
-                  </a:lnTo>
-                  <a:lnTo>
-                    <a:pt x="0" y="3330"/>
-                  </a:lnTo>
-                  <a:close/>
-                </a:path>
-              </a:pathLst>
-            </a:custGeom>
-            <a:solidFill>
-              <a:schemeClr val="accent1"/>
-            </a:solidFill>
-            <a:ln>
-              <a:noFill/>
-            </a:ln>
-          </p:spPr>
-        </p:sp>
-        <p:sp>
-          <p:nvSpPr>
-            <p:cNvPr id="13" name="Freeform 7">
-              <a:extLst>
-                <a:ext uri="{FF2B5EF4-FFF2-40B4-BE49-F238E27FC236}">
-                  <a16:creationId xmlns:a16="http://schemas.microsoft.com/office/drawing/2014/main" id="{CD3505BE-B420-41C5-BE34-3E7652D37A5F}"/>
-                </a:ext>
-                <a:ext uri="{C183D7F6-B498-43B3-948B-1728B52AA6E4}">
-                  <adec:decorative xmlns:adec="http://schemas.microsoft.com/office/drawing/2017/decorative" val="1"/>
-                </a:ext>
-              </a:extLst>
-            </p:cNvPr>
-            <p:cNvSpPr/>
-            <p:nvPr>
-              <p:extLst>
-                <p:ext uri="{386F3935-93C4-4BCD-93E2-E3B085C9AB24}">
-                  <p16:designElem xmlns:p16="http://schemas.microsoft.com/office/powerpoint/2015/main" val="1"/>
-                </p:ext>
-              </p:extLst>
-            </p:nvPr>
-          </p:nvSpPr>
-          <p:spPr bwMode="auto">
-            <a:xfrm>
-              <a:off x="1320800" y="0"/>
-              <a:ext cx="1117600" cy="5276850"/>
-            </a:xfrm>
-            <a:custGeom>
-              <a:avLst/>
-              <a:gdLst/>
-              <a:ahLst/>
-              <a:cxnLst/>
-              <a:rect l="0" t="0" r="r" b="b"/>
-              <a:pathLst>
-                <a:path w="704" h="3324">
-                  <a:moveTo>
-                    <a:pt x="704" y="0"/>
-                  </a:moveTo>
-                  <a:lnTo>
-                    <a:pt x="545" y="0"/>
-                  </a:lnTo>
-                  <a:lnTo>
-                    <a:pt x="0" y="3300"/>
-                  </a:lnTo>
-                  <a:lnTo>
-                    <a:pt x="157" y="3324"/>
-                  </a:lnTo>
-                  <a:lnTo>
-                    <a:pt x="704" y="0"/>
-                  </a:lnTo>
-                  <a:close/>
-                </a:path>
-              </a:pathLst>
-            </a:custGeom>
-            <a:solidFill>
-              <a:schemeClr val="tx1">
-                <a:lumMod val="65000"/>
-                <a:lumOff val="35000"/>
-              </a:schemeClr>
-            </a:solidFill>
-            <a:ln>
-              <a:noFill/>
-            </a:ln>
-          </p:spPr>
-        </p:sp>
-        <p:sp>
-          <p:nvSpPr>
-            <p:cNvPr id="14" name="Freeform 8">
-              <a:extLst>
-                <a:ext uri="{FF2B5EF4-FFF2-40B4-BE49-F238E27FC236}">
-                  <a16:creationId xmlns:a16="http://schemas.microsoft.com/office/drawing/2014/main" id="{4B68A05B-A78B-4D59-8CF9-1900731A2188}"/>
-                </a:ext>
-                <a:ext uri="{C183D7F6-B498-43B3-948B-1728B52AA6E4}">
-                  <adec:decorative xmlns:adec="http://schemas.microsoft.com/office/drawing/2017/decorative" val="1"/>
-                </a:ext>
-              </a:extLst>
-            </p:cNvPr>
-            <p:cNvSpPr/>
-            <p:nvPr>
-              <p:extLst>
-                <p:ext uri="{386F3935-93C4-4BCD-93E2-E3B085C9AB24}">
-                  <p16:designElem xmlns:p16="http://schemas.microsoft.com/office/powerpoint/2015/main" val="1"/>
-                </p:ext>
-              </p:extLst>
-            </p:nvPr>
-          </p:nvSpPr>
-          <p:spPr bwMode="auto">
-            <a:xfrm>
-              <a:off x="1320800" y="5238750"/>
-              <a:ext cx="1228725" cy="1619250"/>
-            </a:xfrm>
-            <a:custGeom>
-              <a:avLst/>
-              <a:gdLst/>
-              <a:ahLst/>
-              <a:cxnLst/>
-              <a:rect l="0" t="0" r="r" b="b"/>
-              <a:pathLst>
-                <a:path w="774" h="1020">
-                  <a:moveTo>
-                    <a:pt x="0" y="0"/>
-                  </a:moveTo>
-                  <a:lnTo>
-                    <a:pt x="740" y="1020"/>
-                  </a:lnTo>
-                  <a:lnTo>
-                    <a:pt x="774" y="1020"/>
-                  </a:lnTo>
-                  <a:lnTo>
-                    <a:pt x="0" y="0"/>
-                  </a:lnTo>
-                  <a:close/>
-                </a:path>
-              </a:pathLst>
-            </a:custGeom>
-            <a:solidFill>
-              <a:schemeClr val="tx1">
-                <a:lumMod val="85000"/>
-                <a:lumOff val="15000"/>
-              </a:schemeClr>
-            </a:solidFill>
-            <a:ln>
-              <a:noFill/>
-            </a:ln>
-          </p:spPr>
-        </p:sp>
-        <p:sp>
-          <p:nvSpPr>
-            <p:cNvPr id="15" name="Freeform 9">
-              <a:extLst>
-                <a:ext uri="{FF2B5EF4-FFF2-40B4-BE49-F238E27FC236}">
-                  <a16:creationId xmlns:a16="http://schemas.microsoft.com/office/drawing/2014/main" id="{84D57A01-C112-4FF2-B5ED-0B762AAD9CE2}"/>
-                </a:ext>
-                <a:ext uri="{C183D7F6-B498-43B3-948B-1728B52AA6E4}">
-                  <adec:decorative xmlns:adec="http://schemas.microsoft.com/office/drawing/2017/decorative" val="1"/>
-                </a:ext>
-              </a:extLst>
-            </p:cNvPr>
-            <p:cNvSpPr/>
-            <p:nvPr>
-              <p:extLst>
-                <p:ext uri="{386F3935-93C4-4BCD-93E2-E3B085C9AB24}">
-                  <p16:designElem xmlns:p16="http://schemas.microsoft.com/office/powerpoint/2015/main" val="1"/>
-                </p:ext>
-              </p:extLst>
-            </p:nvPr>
-          </p:nvSpPr>
-          <p:spPr bwMode="auto">
-            <a:xfrm>
-              <a:off x="1627188" y="5291138"/>
-              <a:ext cx="1495425" cy="1566863"/>
-            </a:xfrm>
-            <a:custGeom>
-              <a:avLst/>
-              <a:gdLst/>
-              <a:ahLst/>
-              <a:cxnLst/>
-              <a:rect l="0" t="0" r="r" b="b"/>
-              <a:pathLst>
-                <a:path w="942" h="987">
-                  <a:moveTo>
-                    <a:pt x="0" y="0"/>
-                  </a:moveTo>
-                  <a:lnTo>
-                    <a:pt x="909" y="987"/>
-                  </a:lnTo>
-                  <a:lnTo>
-                    <a:pt x="942" y="987"/>
-                  </a:lnTo>
-                  <a:lnTo>
-                    <a:pt x="0" y="0"/>
-                  </a:lnTo>
-                  <a:close/>
-                </a:path>
-              </a:pathLst>
-            </a:custGeom>
-            <a:solidFill>
-              <a:schemeClr val="accent1">
-                <a:lumMod val="50000"/>
-              </a:schemeClr>
-            </a:solidFill>
-            <a:ln>
-              <a:noFill/>
-            </a:ln>
-          </p:spPr>
-        </p:sp>
-        <p:sp>
-          <p:nvSpPr>
-            <p:cNvPr id="16" name="Freeform 10">
-              <a:extLst>
-                <a:ext uri="{FF2B5EF4-FFF2-40B4-BE49-F238E27FC236}">
-                  <a16:creationId xmlns:a16="http://schemas.microsoft.com/office/drawing/2014/main" id="{6CCCCDF1-5D4F-4CA1-8400-DFBB96BB011D}"/>
-                </a:ext>
-                <a:ext uri="{C183D7F6-B498-43B3-948B-1728B52AA6E4}">
-                  <adec:decorative xmlns:adec="http://schemas.microsoft.com/office/drawing/2017/decorative" val="1"/>
-                </a:ext>
-              </a:extLst>
-            </p:cNvPr>
-            <p:cNvSpPr/>
-            <p:nvPr>
-              <p:extLst>
-                <p:ext uri="{386F3935-93C4-4BCD-93E2-E3B085C9AB24}">
-                  <p16:designElem xmlns:p16="http://schemas.microsoft.com/office/powerpoint/2015/main" val="1"/>
-                </p:ext>
-              </p:extLst>
-            </p:nvPr>
-          </p:nvSpPr>
-          <p:spPr bwMode="auto">
-            <a:xfrm>
-              <a:off x="1627188" y="5286375"/>
-              <a:ext cx="2130425" cy="1571625"/>
-            </a:xfrm>
-            <a:custGeom>
-              <a:avLst/>
-              <a:gdLst/>
-              <a:ahLst/>
-              <a:cxnLst/>
-              <a:rect l="0" t="0" r="r" b="b"/>
-              <a:pathLst>
-                <a:path w="1342" h="990">
-                  <a:moveTo>
-                    <a:pt x="0" y="3"/>
-                  </a:moveTo>
-                  <a:lnTo>
-                    <a:pt x="942" y="990"/>
-                  </a:lnTo>
-                  <a:lnTo>
-                    <a:pt x="1342" y="990"/>
-                  </a:lnTo>
-                  <a:lnTo>
-                    <a:pt x="156" y="27"/>
-                  </a:lnTo>
-                  <a:lnTo>
-                    <a:pt x="0" y="0"/>
-                  </a:lnTo>
-                  <a:lnTo>
-                    <a:pt x="0" y="3"/>
-                  </a:lnTo>
-                  <a:close/>
-                </a:path>
-              </a:pathLst>
-            </a:custGeom>
-            <a:solidFill>
-              <a:schemeClr val="accent1">
-                <a:lumMod val="75000"/>
-              </a:schemeClr>
-            </a:solidFill>
-            <a:ln>
-              <a:noFill/>
-            </a:ln>
-          </p:spPr>
-        </p:sp>
-        <p:sp>
-          <p:nvSpPr>
-            <p:cNvPr id="17" name="Freeform 11">
-              <a:extLst>
-                <a:ext uri="{FF2B5EF4-FFF2-40B4-BE49-F238E27FC236}">
-                  <a16:creationId xmlns:a16="http://schemas.microsoft.com/office/drawing/2014/main" id="{20A090B2-5344-43CD-BC70-A6D44F15E800}"/>
-                </a:ext>
-                <a:ext uri="{C183D7F6-B498-43B3-948B-1728B52AA6E4}">
-                  <adec:decorative xmlns:adec="http://schemas.microsoft.com/office/drawing/2017/decorative" val="1"/>
-                </a:ext>
-              </a:extLst>
-            </p:cNvPr>
-            <p:cNvSpPr/>
-            <p:nvPr>
-              <p:extLst>
-                <p:ext uri="{386F3935-93C4-4BCD-93E2-E3B085C9AB24}">
-                  <p16:designElem xmlns:p16="http://schemas.microsoft.com/office/powerpoint/2015/main" val="1"/>
-                </p:ext>
-              </p:extLst>
-            </p:nvPr>
-          </p:nvSpPr>
-          <p:spPr bwMode="auto">
-            <a:xfrm>
-              <a:off x="1320800" y="5238750"/>
-              <a:ext cx="1695450" cy="1619250"/>
-            </a:xfrm>
-            <a:custGeom>
-              <a:avLst/>
-              <a:gdLst/>
-              <a:ahLst/>
-              <a:cxnLst/>
-              <a:rect l="0" t="0" r="r" b="b"/>
-              <a:pathLst>
-                <a:path w="1068" h="1020">
-                  <a:moveTo>
-                    <a:pt x="1068" y="1020"/>
-                  </a:moveTo>
-                  <a:lnTo>
-                    <a:pt x="184" y="60"/>
-                  </a:lnTo>
-                  <a:lnTo>
-                    <a:pt x="154" y="27"/>
-                  </a:lnTo>
-                  <a:lnTo>
-                    <a:pt x="157" y="27"/>
-                  </a:lnTo>
-                  <a:lnTo>
-                    <a:pt x="157" y="24"/>
-                  </a:lnTo>
-                  <a:lnTo>
-                    <a:pt x="154" y="24"/>
-                  </a:lnTo>
-                  <a:lnTo>
-                    <a:pt x="0" y="0"/>
-                  </a:lnTo>
-                  <a:lnTo>
-                    <a:pt x="0" y="0"/>
-                  </a:lnTo>
-                  <a:lnTo>
-                    <a:pt x="774" y="1020"/>
-                  </a:lnTo>
-                  <a:lnTo>
-                    <a:pt x="1068" y="1020"/>
-                  </a:lnTo>
-                  <a:close/>
-                </a:path>
-              </a:pathLst>
-            </a:custGeom>
-            <a:solidFill>
-              <a:schemeClr val="tx1">
-                <a:lumMod val="75000"/>
-                <a:lumOff val="25000"/>
-              </a:schemeClr>
-            </a:solidFill>
-            <a:ln>
-              <a:noFill/>
-            </a:ln>
-          </p:spPr>
-        </p:sp>
-      </p:grpSp>
-      <p:sp>
-        <p:nvSpPr>
-          <p:cNvPr id="2" name="Cím 1">
-            <a:extLst>
-              <a:ext uri="{FF2B5EF4-FFF2-40B4-BE49-F238E27FC236}">
-                <a16:creationId xmlns:a16="http://schemas.microsoft.com/office/drawing/2014/main" id="{B1D0DD9E-ED62-DD25-7EEE-8F6E1E8BF6B9}"/>
-              </a:ext>
-            </a:extLst>
-          </p:cNvPr>
-          <p:cNvSpPr>
-            <a:spLocks noGrp="1"/>
-          </p:cNvSpPr>
-          <p:nvPr>
-            <p:ph type="title"/>
-          </p:nvPr>
-        </p:nvSpPr>
-        <p:spPr>
-          <a:xfrm>
-            <a:off x="972080" y="685800"/>
-            <a:ext cx="5260680" cy="1752599"/>
-          </a:xfrm>
-        </p:spPr>
-        <p:txBody>
-          <a:bodyPr>
-            <a:normAutofit/>
-          </a:bodyPr>
-          <a:lstStyle/>
-          <a:p>
-            <a:pPr algn="l"/>
-            <a:r>
-              <a:rPr lang="hu-HU" b="1" dirty="0">
-                <a:cs typeface="Calibri Light"/>
-              </a:rPr>
-              <a:t>Fejlesztés</a:t>
-            </a:r>
-            <a:endParaRPr lang="hu-HU" b="1"/>
-          </a:p>
-        </p:txBody>
-      </p:sp>
-      <p:sp>
-        <p:nvSpPr>
-          <p:cNvPr id="3" name="Tartalom helye 2">
-            <a:extLst>
-              <a:ext uri="{FF2B5EF4-FFF2-40B4-BE49-F238E27FC236}">
-                <a16:creationId xmlns:a16="http://schemas.microsoft.com/office/drawing/2014/main" id="{39EE08E8-F78C-7385-5258-D15CEBFEB9AF}"/>
-              </a:ext>
-            </a:extLst>
-          </p:cNvPr>
-          <p:cNvSpPr>
-            <a:spLocks noGrp="1"/>
-          </p:cNvSpPr>
-          <p:nvPr>
-            <p:ph idx="1"/>
-          </p:nvPr>
-        </p:nvSpPr>
-        <p:spPr>
-          <a:xfrm>
-            <a:off x="643468" y="2666999"/>
-            <a:ext cx="5721890" cy="3124201"/>
-          </a:xfrm>
-        </p:spPr>
-        <p:txBody>
-          <a:bodyPr vert="horz" lIns="91440" tIns="45720" rIns="91440" bIns="45720" rtlCol="0">
-            <a:normAutofit/>
-          </a:bodyPr>
-          <a:lstStyle/>
-          <a:p>
-            <a:r>
-              <a:rPr lang="hu-HU" sz="2800" dirty="0">
-                <a:latin typeface="Arial"/>
-                <a:cs typeface="Arial"/>
-              </a:rPr>
-              <a:t>A modell a Google </a:t>
-            </a:r>
-            <a:r>
-              <a:rPr lang="hu-HU" sz="2800" err="1">
-                <a:latin typeface="Arial"/>
-                <a:cs typeface="Arial"/>
-              </a:rPr>
-              <a:t>Colab</a:t>
-            </a:r>
-            <a:r>
-              <a:rPr lang="hu-HU" sz="2800" dirty="0">
-                <a:latin typeface="Arial"/>
-                <a:cs typeface="Arial"/>
-              </a:rPr>
-              <a:t> használatával készült el</a:t>
-            </a:r>
-            <a:endParaRPr lang="en-US" sz="2800">
-              <a:latin typeface="Arial"/>
-              <a:cs typeface="Arial"/>
-            </a:endParaRPr>
-          </a:p>
-          <a:p>
-            <a:r>
-              <a:rPr lang="hu-HU" sz="2800" dirty="0">
-                <a:latin typeface="Arial"/>
-                <a:cs typeface="Arial"/>
-              </a:rPr>
-              <a:t>Segédanyagok forrásai: </a:t>
-            </a:r>
-            <a:r>
-              <a:rPr lang="hu-HU" sz="2800" dirty="0" err="1">
-                <a:latin typeface="Arial"/>
-                <a:cs typeface="Arial"/>
-              </a:rPr>
-              <a:t>google</a:t>
-            </a:r>
-            <a:r>
-              <a:rPr lang="hu-HU" sz="2800" dirty="0">
-                <a:latin typeface="Arial"/>
-                <a:cs typeface="Arial"/>
-              </a:rPr>
-              <a:t>, </a:t>
-            </a:r>
-            <a:r>
-              <a:rPr lang="hu-HU" sz="2800" dirty="0" err="1">
-                <a:latin typeface="Arial"/>
-                <a:cs typeface="Arial"/>
-              </a:rPr>
-              <a:t>youtube</a:t>
-            </a:r>
-            <a:r>
-              <a:rPr lang="hu-HU" sz="2800" dirty="0">
-                <a:latin typeface="Arial"/>
-                <a:cs typeface="Arial"/>
-              </a:rPr>
-              <a:t>, </a:t>
-            </a:r>
-            <a:r>
-              <a:rPr lang="hu-HU" sz="2800" dirty="0" err="1">
-                <a:latin typeface="Arial"/>
-                <a:cs typeface="Arial"/>
-              </a:rPr>
-              <a:t>kaggle</a:t>
-            </a:r>
-            <a:r>
-              <a:rPr lang="hu-HU" sz="2800" dirty="0">
-                <a:latin typeface="Arial"/>
-                <a:cs typeface="Arial"/>
-              </a:rPr>
-              <a:t>, </a:t>
-            </a:r>
-            <a:r>
-              <a:rPr lang="hu-HU" sz="2800" dirty="0" err="1">
-                <a:latin typeface="Arial"/>
-                <a:cs typeface="Arial"/>
-              </a:rPr>
-              <a:t>chatgpt</a:t>
-            </a:r>
-            <a:r>
-              <a:rPr lang="hu-HU" sz="2800" dirty="0">
-                <a:latin typeface="Arial"/>
-                <a:cs typeface="Arial"/>
-              </a:rPr>
-              <a:t>, </a:t>
-            </a:r>
-            <a:r>
-              <a:rPr lang="hu-HU" sz="2800" dirty="0" err="1">
-                <a:latin typeface="Arial"/>
-                <a:cs typeface="Arial"/>
-              </a:rPr>
-              <a:t>stackoverflow</a:t>
-            </a:r>
-            <a:endParaRPr lang="hu-HU" dirty="0" err="1">
-              <a:latin typeface="Arial"/>
-              <a:cs typeface="Arial"/>
-            </a:endParaRPr>
-          </a:p>
-          <a:p>
-            <a:endParaRPr lang="hu-HU" sz="2000">
-              <a:latin typeface="Calibri" panose="020F0502020204030204"/>
-              <a:cs typeface="Calibri"/>
-            </a:endParaRPr>
-          </a:p>
-        </p:txBody>
-      </p:sp>
-    </p:spTree>
-    <p:extLst>
-      <p:ext uri="{BB962C8B-B14F-4D97-AF65-F5344CB8AC3E}">
-        <p14:creationId xmlns:p14="http://schemas.microsoft.com/office/powerpoint/2010/main" val="549356452"/>
-      </p:ext>
-    </p:extLst>
-  </p:cSld>
-  <p:clrMapOvr>
-    <a:masterClrMapping/>
-  </p:clrMapOvr>
-</p:sld>
-</file>
-
-<file path=ppt/slides/slide4.xml><?xml version="1.0" encoding="utf-8"?>
-<p:sld xmlns:a="http://schemas.openxmlformats.org/drawingml/2006/main" xmlns:r="http://schemas.openxmlformats.org/officeDocument/2006/relationships" xmlns:p="http://schemas.openxmlformats.org/presentationml/2006/main">
-  <p:cSld>
-    <p:spTree>
-      <p:nvGrpSpPr>
-        <p:cNvPr id="1" name=""/>
-        <p:cNvGrpSpPr/>
-        <p:nvPr/>
-      </p:nvGrpSpPr>
-      <p:grpSpPr>
-        <a:xfrm>
-          <a:off x="0" y="0"/>
-          <a:ext cx="0" cy="0"/>
-          <a:chOff x="0" y="0"/>
-          <a:chExt cx="0" cy="0"/>
-        </a:xfrm>
-      </p:grpSpPr>
       <p:sp>
         <p:nvSpPr>
           <p:cNvPr id="2" name="Cím 1">
@@ -8370,7 +7612,7 @@
           <a:lstStyle/>
           <a:p>
             <a:r>
-              <a:rPr lang="hu-HU" dirty="0" err="1"/>
+              <a:rPr lang="hu-HU" err="1"/>
               <a:t>Dataset</a:t>
             </a:r>
           </a:p>
@@ -8403,7 +7645,7 @@
           <a:lstStyle/>
           <a:p>
             <a:r>
-              <a:rPr lang="hu-HU" sz="2700" b="1" dirty="0">
+              <a:rPr lang="hu-HU" sz="2700" b="1">
                 <a:solidFill>
                   <a:srgbClr val="202124"/>
                 </a:solidFill>
@@ -8411,7 +7653,7 @@
               <a:t>Formula 1 World </a:t>
             </a:r>
             <a:r>
-              <a:rPr lang="hu-HU" sz="2700" b="1" dirty="0" err="1">
+              <a:rPr lang="hu-HU" sz="2700" b="1" err="1">
                 <a:solidFill>
                   <a:srgbClr val="202124"/>
                 </a:solidFill>
@@ -8419,14 +7661,14 @@
               <a:t>Championship</a:t>
             </a:r>
             <a:r>
-              <a:rPr lang="hu-HU" sz="2700" b="1" dirty="0">
+              <a:rPr lang="hu-HU" sz="2700" b="1">
                 <a:solidFill>
                   <a:srgbClr val="202124"/>
                 </a:solidFill>
               </a:rPr>
               <a:t> (1950 - 2023)</a:t>
             </a:r>
-            <a:endParaRPr lang="hu-HU" dirty="0"/>
+            <a:endParaRPr lang="hu-HU"/>
           </a:p>
           <a:p>
             <a:pPr lvl="1">
@@ -8435,55 +7677,55 @@
               </a:buClr>
             </a:pPr>
             <a:r>
-              <a:rPr lang="hu-HU" dirty="0" err="1"/>
+              <a:rPr lang="hu-HU" err="1"/>
               <a:t>drivers</a:t>
             </a:r>
             <a:r>
-              <a:rPr lang="hu-HU" dirty="0"/>
+              <a:rPr lang="hu-HU"/>
               <a:t>, </a:t>
             </a:r>
             <a:r>
-              <a:rPr lang="hu-HU" dirty="0" err="1"/>
+              <a:rPr lang="hu-HU" err="1"/>
               <a:t>driver_result</a:t>
             </a:r>
             <a:r>
-              <a:rPr lang="hu-HU" dirty="0"/>
+              <a:rPr lang="hu-HU"/>
               <a:t>, </a:t>
             </a:r>
             <a:r>
-              <a:rPr lang="hu-HU" dirty="0" err="1"/>
+              <a:rPr lang="hu-HU" err="1"/>
               <a:t>races</a:t>
             </a:r>
             <a:r>
-              <a:rPr lang="hu-HU" dirty="0"/>
+              <a:rPr lang="hu-HU"/>
               <a:t>, </a:t>
             </a:r>
             <a:r>
-              <a:rPr lang="hu-HU" dirty="0" err="1"/>
+              <a:rPr lang="hu-HU" err="1"/>
               <a:t>circuits</a:t>
             </a:r>
             <a:r>
-              <a:rPr lang="hu-HU" dirty="0"/>
+              <a:rPr lang="hu-HU"/>
               <a:t>, </a:t>
             </a:r>
             <a:r>
-              <a:rPr lang="hu-HU" dirty="0" err="1"/>
+              <a:rPr lang="hu-HU" err="1"/>
               <a:t>driver_standings</a:t>
             </a:r>
             <a:r>
-              <a:rPr lang="hu-HU" dirty="0"/>
+              <a:rPr lang="hu-HU"/>
               <a:t>, </a:t>
             </a:r>
             <a:r>
-              <a:rPr lang="hu-HU" dirty="0" err="1"/>
+              <a:rPr lang="hu-HU" err="1"/>
               <a:t>laptimes</a:t>
             </a:r>
             <a:r>
-              <a:rPr lang="hu-HU" dirty="0"/>
+              <a:rPr lang="hu-HU"/>
               <a:t>, </a:t>
             </a:r>
             <a:r>
-              <a:rPr lang="hu-HU" dirty="0" err="1"/>
+              <a:rPr lang="hu-HU" err="1"/>
               <a:t>qualifying</a:t>
             </a:r>
             <a:endParaRPr lang="hu-HU"/>
@@ -8495,23 +7737,23 @@
               </a:buClr>
             </a:pPr>
             <a:r>
-              <a:rPr lang="hu-HU" dirty="0" err="1"/>
+              <a:rPr lang="hu-HU" err="1"/>
               <a:t>WinRate</a:t>
             </a:r>
             <a:r>
-              <a:rPr lang="hu-HU" dirty="0"/>
+              <a:rPr lang="hu-HU"/>
               <a:t>, </a:t>
             </a:r>
             <a:r>
-              <a:rPr lang="hu-HU" dirty="0" err="1"/>
+              <a:rPr lang="hu-HU" err="1"/>
               <a:t>fastestLapRate</a:t>
             </a:r>
             <a:r>
-              <a:rPr lang="hu-HU" dirty="0"/>
+              <a:rPr lang="hu-HU"/>
               <a:t>, </a:t>
             </a:r>
             <a:r>
-              <a:rPr lang="hu-HU" dirty="0" err="1"/>
+              <a:rPr lang="hu-HU" err="1"/>
               <a:t>qualifyingRate</a:t>
             </a:r>
           </a:p>
@@ -8806,7 +8048,7 @@
 </p:sld>
 </file>
 
-<file path=ppt/slides/slide5.xml><?xml version="1.0" encoding="utf-8"?>
+<file path=ppt/slides/slide4.xml><?xml version="1.0" encoding="utf-8"?>
 <p:sld xmlns:a="http://schemas.openxmlformats.org/drawingml/2006/main" xmlns:r="http://schemas.openxmlformats.org/officeDocument/2006/relationships" xmlns:p="http://schemas.openxmlformats.org/presentationml/2006/main">
   <p:cSld>
     <p:spTree>
@@ -8845,7 +8087,7 @@
           <a:lstStyle/>
           <a:p>
             <a:r>
-              <a:rPr lang="hu-HU" dirty="0"/>
+              <a:rPr lang="hu-HU"/>
               <a:t>Modellek pontossága</a:t>
             </a:r>
           </a:p>
@@ -8942,15 +8184,15 @@
           <a:lstStyle/>
           <a:p>
             <a:r>
-              <a:rPr lang="hu-HU" dirty="0"/>
+              <a:rPr lang="hu-HU"/>
               <a:t>MinMax </a:t>
             </a:r>
             <a:r>
-              <a:rPr lang="hu-HU" dirty="0" err="1"/>
+              <a:rPr lang="hu-HU" err="1"/>
               <a:t>Scaler</a:t>
             </a:r>
             <a:r>
-              <a:rPr lang="hu-HU" dirty="0"/>
+              <a:rPr lang="hu-HU"/>
               <a:t> + eredmény</a:t>
             </a:r>
           </a:p>
@@ -9078,15 +8320,15 @@
           <a:lstStyle/>
           <a:p>
             <a:r>
-              <a:rPr lang="hu-HU" dirty="0"/>
+              <a:rPr lang="hu-HU"/>
               <a:t>Standard </a:t>
             </a:r>
             <a:r>
-              <a:rPr lang="hu-HU" dirty="0" err="1"/>
+              <a:rPr lang="hu-HU" err="1"/>
               <a:t>Scaler</a:t>
             </a:r>
             <a:r>
-              <a:rPr lang="hu-HU" dirty="0"/>
+              <a:rPr lang="hu-HU"/>
               <a:t> + eredmény</a:t>
             </a:r>
           </a:p>
@@ -9124,11 +8366,11 @@
           <a:lstStyle/>
           <a:p>
             <a:r>
-              <a:rPr lang="hu-HU" dirty="0"/>
+              <a:rPr lang="hu-HU"/>
               <a:t>Alap </a:t>
             </a:r>
             <a:r>
-              <a:rPr lang="hu-HU" dirty="0" err="1"/>
+              <a:rPr lang="hu-HU" err="1"/>
               <a:t>model</a:t>
             </a:r>
           </a:p>
@@ -9147,7 +8389,7 @@
 </p:sld>
 </file>
 
-<file path=ppt/slides/slide6.xml><?xml version="1.0" encoding="utf-8"?>
+<file path=ppt/slides/slide5.xml><?xml version="1.0" encoding="utf-8"?>
 <p:sld xmlns:a="http://schemas.openxmlformats.org/drawingml/2006/main" xmlns:r="http://schemas.openxmlformats.org/officeDocument/2006/relationships" xmlns:p="http://schemas.openxmlformats.org/presentationml/2006/main">
   <p:cSld>
     <p:spTree>
@@ -9191,7 +8433,7 @@
           <a:lstStyle/>
           <a:p>
             <a:r>
-              <a:rPr lang="hu-HU" b="1" dirty="0"/>
+              <a:rPr lang="hu-HU" b="1"/>
               <a:t>Valós teszt</a:t>
             </a:r>
           </a:p>
@@ -9239,7 +8481,7 @@
 </p:sld>
 </file>
 
-<file path=ppt/slides/slide7.xml><?xml version="1.0" encoding="utf-8"?>
+<file path=ppt/slides/slide6.xml><?xml version="1.0" encoding="utf-8"?>
 <p:sld xmlns:a="http://schemas.openxmlformats.org/drawingml/2006/main" xmlns:r="http://schemas.openxmlformats.org/officeDocument/2006/relationships" xmlns:p="http://schemas.openxmlformats.org/presentationml/2006/main">
   <p:cSld>
     <p:spTree>
@@ -9283,7 +8525,7 @@
           <a:lstStyle/>
           <a:p>
             <a:r>
-              <a:rPr lang="hu-HU" b="1" dirty="0"/>
+              <a:rPr lang="hu-HU" b="1"/>
               <a:t>Eredmények</a:t>
             </a:r>
           </a:p>
@@ -9316,15 +8558,15 @@
           <a:lstStyle/>
           <a:p>
             <a:r>
-              <a:rPr lang="hu-HU" dirty="0"/>
+              <a:rPr lang="hu-HU"/>
               <a:t>A </a:t>
             </a:r>
             <a:r>
-              <a:rPr lang="hu-HU" dirty="0" err="1"/>
+              <a:rPr lang="hu-HU" err="1"/>
               <a:t>prediciók</a:t>
             </a:r>
             <a:r>
-              <a:rPr lang="hu-HU" dirty="0"/>
+              <a:rPr lang="hu-HU"/>
               <a:t> eredményei nagyjából egy randomgenerátoréval egyenlőek.</a:t>
             </a:r>
           </a:p>
@@ -9362,7 +8604,7 @@
           <a:lstStyle/>
           <a:p>
             <a:r>
-              <a:rPr lang="hu-HU" dirty="0" err="1">
+              <a:rPr lang="hu-HU" err="1">
                 <a:solidFill>
                   <a:srgbClr val="000000"/>
                 </a:solidFill>
@@ -9371,7 +8613,7 @@
               </a:rPr>
               <a:t>LogisticRegression</a:t>
             </a:r>
-            <a:endParaRPr lang="hu-HU" dirty="0" err="1"/>
+            <a:endParaRPr lang="hu-HU" err="1"/>
           </a:p>
         </p:txBody>
       </p:sp>
@@ -9407,7 +8649,7 @@
           <a:lstStyle/>
           <a:p>
             <a:r>
-              <a:rPr lang="hu-HU" dirty="0" err="1">
+              <a:rPr lang="hu-HU" err="1">
                 <a:solidFill>
                   <a:srgbClr val="000000"/>
                 </a:solidFill>
@@ -9416,7 +8658,7 @@
               </a:rPr>
               <a:t>SGDClassifier</a:t>
             </a:r>
-            <a:endParaRPr lang="hu-HU" dirty="0" err="1"/>
+            <a:endParaRPr lang="hu-HU" err="1"/>
           </a:p>
         </p:txBody>
       </p:sp>
@@ -9452,7 +8694,7 @@
           <a:lstStyle/>
           <a:p>
             <a:r>
-              <a:rPr lang="hu-HU" dirty="0" err="1">
+              <a:rPr lang="hu-HU" err="1">
                 <a:solidFill>
                   <a:srgbClr val="000000"/>
                 </a:solidFill>
@@ -9461,7 +8703,7 @@
               </a:rPr>
               <a:t>KNeighborsClassifier</a:t>
             </a:r>
-            <a:endParaRPr lang="hu-HU" dirty="0" err="1"/>
+            <a:endParaRPr lang="hu-HU" err="1"/>
           </a:p>
         </p:txBody>
       </p:sp>
@@ -9497,7 +8739,7 @@
           <a:lstStyle/>
           <a:p>
             <a:r>
-              <a:rPr lang="hu-HU" dirty="0" err="1">
+              <a:rPr lang="hu-HU" err="1">
                 <a:solidFill>
                   <a:srgbClr val="000000"/>
                 </a:solidFill>
@@ -9506,7 +8748,7 @@
               </a:rPr>
               <a:t>GaussianNB</a:t>
             </a:r>
-            <a:endParaRPr lang="hu-HU" dirty="0" err="1"/>
+            <a:endParaRPr lang="hu-HU" err="1"/>
           </a:p>
         </p:txBody>
       </p:sp>
@@ -9543,7 +8785,7 @@
           <a:p>
             <a:pPr algn="l"/>
             <a:r>
-              <a:rPr lang="hu-HU" dirty="0" err="1">
+              <a:rPr lang="hu-HU" err="1">
                 <a:solidFill>
                   <a:srgbClr val="000000"/>
                 </a:solidFill>
@@ -9552,7 +8794,7 @@
               </a:rPr>
               <a:t>RandomForestClassifier</a:t>
             </a:r>
-            <a:endParaRPr lang="hu-HU" dirty="0" err="1"/>
+            <a:endParaRPr lang="hu-HU" err="1"/>
           </a:p>
         </p:txBody>
       </p:sp>
@@ -9589,7 +8831,7 @@
           <a:p>
             <a:pPr algn="l"/>
             <a:r>
-              <a:rPr lang="hu-HU" dirty="0" err="1">
+              <a:rPr lang="hu-HU" err="1">
                 <a:solidFill>
                   <a:srgbClr val="000000"/>
                 </a:solidFill>
@@ -9598,7 +8840,7 @@
               </a:rPr>
               <a:t>DecisionTreeClassifier</a:t>
             </a:r>
-            <a:endParaRPr lang="hu-HU" dirty="0" err="1"/>
+            <a:endParaRPr lang="hu-HU" err="1"/>
           </a:p>
         </p:txBody>
       </p:sp>
@@ -10011,7 +9253,7 @@
 </p:sld>
 </file>
 
-<file path=ppt/slides/slide8.xml><?xml version="1.0" encoding="utf-8"?>
+<file path=ppt/slides/slide7.xml><?xml version="1.0" encoding="utf-8"?>
 <p:sld xmlns:a="http://schemas.openxmlformats.org/drawingml/2006/main" xmlns:r="http://schemas.openxmlformats.org/officeDocument/2006/relationships" xmlns:p="http://schemas.openxmlformats.org/presentationml/2006/main">
   <p:cSld>
     <p:spTree>
@@ -10055,12 +9297,12 @@
           <a:lstStyle/>
           <a:p>
             <a:r>
-              <a:rPr lang="hu-HU" b="1" dirty="0">
+              <a:rPr lang="hu-HU" b="1">
                 <a:cs typeface="Calibri Light"/>
               </a:rPr>
               <a:t>Felhasználói felület</a:t>
             </a:r>
-            <a:endParaRPr lang="hu-HU" b="1" dirty="0"/>
+            <a:endParaRPr lang="hu-HU" b="1"/>
           </a:p>
         </p:txBody>
       </p:sp>
@@ -10205,7 +9447,7 @@
           <a:p>
             <a:pPr algn="ctr"/>
             <a:r>
-              <a:rPr lang="hu-HU" sz="8000" b="1" dirty="0">
+              <a:rPr lang="hu-HU" sz="8000" b="1">
                 <a:solidFill>
                   <a:schemeClr val="bg1"/>
                 </a:solidFill>
@@ -10268,7 +9510,7 @@
           <a:p>
             <a:pPr algn="ctr"/>
             <a:r>
-              <a:rPr lang="hu-HU" sz="9600" b="1" dirty="0">
+              <a:rPr lang="hu-HU" sz="9600" b="1">
                 <a:latin typeface="Aharoni"/>
                 <a:cs typeface="Calibri"/>
                 <a:hlinkClick r:id="rId2"/>
@@ -10282,7 +9524,7 @@
           <a:p>
             <a:pPr algn="ctr"/>
             <a:r>
-              <a:rPr lang="hu-HU" sz="9600" b="1" dirty="0">
+              <a:rPr lang="hu-HU" sz="9600" b="1">
                 <a:latin typeface="Aharoni"/>
                 <a:cs typeface="Calibri"/>
                 <a:hlinkClick r:id="rId2"/>
@@ -10305,7 +9547,7 @@
 </p:sld>
 </file>
 
-<file path=ppt/slides/slide9.xml><?xml version="1.0" encoding="utf-8"?>
+<file path=ppt/slides/slide8.xml><?xml version="1.0" encoding="utf-8"?>
 <p:sld xmlns:a="http://schemas.openxmlformats.org/drawingml/2006/main" xmlns:r="http://schemas.openxmlformats.org/officeDocument/2006/relationships" xmlns:p="http://schemas.openxmlformats.org/presentationml/2006/main">
   <p:cSld>
     <p:spTree>
@@ -10344,12 +9586,12 @@
           <a:lstStyle/>
           <a:p>
             <a:r>
-              <a:rPr lang="hu-HU" dirty="0">
+              <a:rPr lang="hu-HU">
                 <a:cs typeface="Calibri Light"/>
               </a:rPr>
               <a:t>Források</a:t>
             </a:r>
-            <a:endParaRPr lang="hu-HU" dirty="0"/>
+            <a:endParaRPr lang="hu-HU"/>
           </a:p>
         </p:txBody>
       </p:sp>
@@ -10377,14 +9619,14 @@
           <a:lstStyle/>
           <a:p>
             <a:r>
-              <a:rPr lang="hu-HU" dirty="0">
+              <a:rPr lang="hu-HU">
                 <a:ea typeface="+mn-lt"/>
                 <a:cs typeface="+mn-lt"/>
               </a:rPr>
               <a:t> </a:t>
             </a:r>
             <a:r>
-              <a:rPr lang="hu-HU" dirty="0">
+              <a:rPr lang="hu-HU">
                 <a:ea typeface="+mn-lt"/>
                 <a:cs typeface="+mn-lt"/>
                 <a:hlinkClick r:id="rId2"/>
@@ -10400,14 +9642,14 @@
               </a:buClr>
             </a:pPr>
             <a:r>
-              <a:rPr lang="hu-HU" dirty="0">
+              <a:rPr lang="hu-HU">
                 <a:ea typeface="+mn-lt"/>
                 <a:cs typeface="+mn-lt"/>
               </a:rPr>
               <a:t> </a:t>
             </a:r>
             <a:r>
-              <a:rPr lang="hu-HU" dirty="0">
+              <a:rPr lang="hu-HU">
                 <a:ea typeface="+mn-lt"/>
                 <a:cs typeface="+mn-lt"/>
                 <a:hlinkClick r:id="rId3"/>
@@ -10423,14 +9665,14 @@
               </a:buClr>
             </a:pPr>
             <a:r>
-              <a:rPr lang="hu-HU" dirty="0">
+              <a:rPr lang="hu-HU">
                 <a:ea typeface="+mn-lt"/>
                 <a:cs typeface="+mn-lt"/>
               </a:rPr>
               <a:t> </a:t>
             </a:r>
             <a:r>
-              <a:rPr lang="hu-HU" dirty="0">
+              <a:rPr lang="hu-HU">
                 <a:ea typeface="+mn-lt"/>
                 <a:cs typeface="+mn-lt"/>
                 <a:hlinkClick r:id="rId4"/>
@@ -10446,14 +9688,14 @@
               </a:buClr>
             </a:pPr>
             <a:r>
-              <a:rPr lang="hu-HU" dirty="0">
+              <a:rPr lang="hu-HU">
                 <a:ea typeface="+mn-lt"/>
                 <a:cs typeface="+mn-lt"/>
               </a:rPr>
               <a:t> </a:t>
             </a:r>
             <a:r>
-              <a:rPr lang="hu-HU" dirty="0">
+              <a:rPr lang="hu-HU">
                 <a:ea typeface="+mn-lt"/>
                 <a:cs typeface="+mn-lt"/>
                 <a:hlinkClick r:id="rId5"/>
@@ -10469,7 +9711,7 @@
               </a:buClr>
             </a:pPr>
             <a:r>
-              <a:rPr lang="hu-HU" sz="2600" dirty="0">
+              <a:rPr lang="hu-HU" sz="2600">
                 <a:solidFill>
                   <a:srgbClr val="0563C1"/>
                 </a:solidFill>
@@ -10481,7 +9723,7 @@
               <a:t>https://openai.com/blog/chatgpt</a:t>
             </a:r>
             <a:r>
-              <a:rPr lang="hu-HU" sz="2600" dirty="0">
+              <a:rPr lang="hu-HU" sz="2600">
                 <a:latin typeface="Calibri"/>
                 <a:ea typeface="+mn-lt"/>
                 <a:cs typeface="Calibri"/>
@@ -10496,14 +9738,14 @@
               </a:buClr>
             </a:pPr>
             <a:r>
-              <a:rPr lang="hu-HU" sz="2600" dirty="0">
+              <a:rPr lang="hu-HU" sz="2600">
                 <a:ea typeface="+mn-lt"/>
                 <a:cs typeface="+mn-lt"/>
                 <a:hlinkClick r:id="rId7"/>
               </a:rPr>
               <a:t>https://www.kaggle.com/code/anandaramg/f1-champ-eda-classification-100-accuracy/comments</a:t>
             </a:r>
-            <a:endParaRPr lang="hu-HU" sz="2600" dirty="0">
+            <a:endParaRPr lang="hu-HU" sz="2600">
               <a:latin typeface="Calibri"/>
               <a:cs typeface="Calibri"/>
             </a:endParaRPr>
@@ -10515,14 +9757,14 @@
               </a:buClr>
             </a:pPr>
             <a:r>
-              <a:rPr lang="hu-HU" sz="2600" dirty="0">
+              <a:rPr lang="hu-HU" sz="2600">
                 <a:ea typeface="+mn-lt"/>
                 <a:cs typeface="+mn-lt"/>
                 <a:hlinkClick r:id="rId8"/>
               </a:rPr>
               <a:t>https://machinelearningmastery.com/overfitting-machine-learning-models/</a:t>
             </a:r>
-            <a:endParaRPr lang="hu-HU" sz="2600" dirty="0">
+            <a:endParaRPr lang="hu-HU" sz="2600">
               <a:latin typeface="Corbel"/>
               <a:cs typeface="Calibri"/>
             </a:endParaRPr>
@@ -10533,7 +9775,7 @@
                 <a:srgbClr val="1287C3"/>
               </a:buClr>
             </a:pPr>
-            <a:endParaRPr lang="hu-HU" sz="2600" dirty="0">
+            <a:endParaRPr lang="hu-HU" sz="2600">
               <a:latin typeface="Corbel"/>
               <a:cs typeface="Calibri"/>
             </a:endParaRPr>
@@ -10544,7 +9786,7 @@
                 <a:srgbClr val="1287C3"/>
               </a:buClr>
             </a:pPr>
-            <a:endParaRPr lang="hu-HU" sz="2600" dirty="0">
+            <a:endParaRPr lang="hu-HU" sz="2600">
               <a:latin typeface="Calibri"/>
               <a:cs typeface="Calibri"/>
             </a:endParaRPr>
@@ -10555,7 +9797,7 @@
                 <a:srgbClr val="1287C3"/>
               </a:buClr>
             </a:pPr>
-            <a:endParaRPr lang="hu-HU" sz="2600" dirty="0">
+            <a:endParaRPr lang="hu-HU" sz="2600">
               <a:latin typeface="Calibri"/>
               <a:cs typeface="Calibri"/>
             </a:endParaRPr>
